--- a/시각화과정_1조_김예진.pptx
+++ b/시각화과정_1조_김예진.pptx
@@ -254,7 +254,7 @@
             <a:fld id="{579D7749-7DF8-4127-A714-0F3D730EF7A4}" type="datetimeFigureOut">
               <a:rPr lang="ko-KR" altLang="en-US" smtClean="0"/>
               <a:pPr/>
-              <a:t>2020-09-11</a:t>
+              <a:t>2020-11-18</a:t>
             </a:fld>
             <a:endParaRPr lang="ko-KR" altLang="en-US" dirty="0"/>
           </a:p>
@@ -422,7 +422,7 @@
             <a:fld id="{A297F46D-01FD-4E3A-BDAF-99332D4CB396}" type="datetimeFigureOut">
               <a:rPr lang="ko-KR" altLang="en-US" smtClean="0"/>
               <a:pPr/>
-              <a:t>2020-09-11</a:t>
+              <a:t>2020-11-18</a:t>
             </a:fld>
             <a:endParaRPr lang="ko-KR" altLang="en-US" dirty="0"/>
           </a:p>
@@ -9290,6 +9290,11 @@
           <a:prstGeom prst="rect">
             <a:avLst/>
           </a:prstGeom>
+          <a:ln>
+            <a:solidFill>
+              <a:schemeClr val="accent4"/>
+            </a:solidFill>
+          </a:ln>
         </p:spPr>
       </p:pic>
       <p:sp>
@@ -9349,728 +9354,734 @@
           </a:p>
         </p:txBody>
       </p:sp>
-      <p:sp>
-        <p:nvSpPr>
-          <p:cNvPr id="3" name="텍스트 개체 틀 1">
+      <p:grpSp>
+        <p:nvGrpSpPr>
+          <p:cNvPr id="6" name="그룹 5">
             <a:extLst>
               <a:ext uri="{FF2B5EF4-FFF2-40B4-BE49-F238E27FC236}">
-                <a16:creationId xmlns:a16="http://schemas.microsoft.com/office/drawing/2014/main" id="{B59C7601-F2A8-4121-90A0-BDDC368C1E6A}"/>
+                <a16:creationId xmlns:a16="http://schemas.microsoft.com/office/drawing/2014/main" id="{B6E54AED-38B2-414B-B01F-6A98FA9F7341}"/>
               </a:ext>
             </a:extLst>
           </p:cNvPr>
-          <p:cNvSpPr txBox="1">
-            <a:spLocks/>
-          </p:cNvSpPr>
+          <p:cNvGrpSpPr/>
           <p:nvPr/>
-        </p:nvSpPr>
-        <p:spPr bwMode="black">
-          <a:xfrm>
-            <a:off x="8041803" y="3833665"/>
-            <a:ext cx="3528392" cy="144016"/>
-          </a:xfrm>
-          <a:prstGeom prst="rect">
-            <a:avLst/>
-          </a:prstGeom>
-        </p:spPr>
-        <p:txBody>
-          <a:bodyPr vert="horz" lIns="0" tIns="0" rIns="0" bIns="0" rtlCol="0">
-            <a:normAutofit lnSpcReduction="10000"/>
-          </a:bodyPr>
-          <a:lstStyle>
-            <a:lvl1pPr marL="0" marR="0" indent="0" algn="l" defTabSz="1088558" rtl="0" eaLnBrk="1" fontAlgn="auto" latinLnBrk="0" hangingPunct="1">
-              <a:lnSpc>
-                <a:spcPct val="100000"/>
-              </a:lnSpc>
-              <a:spcBef>
-                <a:spcPts val="3000"/>
-              </a:spcBef>
-              <a:spcAft>
-                <a:spcPts val="0"/>
-              </a:spcAft>
-              <a:buClr>
-                <a:schemeClr val="accent1"/>
-              </a:buClr>
-              <a:buSzPct val="80000"/>
-              <a:buFontTx/>
-              <a:buNone/>
-              <a:tabLst/>
-              <a:defRPr sz="2000" b="0" kern="1200">
-                <a:solidFill>
+        </p:nvGrpSpPr>
+        <p:grpSpPr>
+          <a:xfrm>
+            <a:off x="8538195" y="3645024"/>
+            <a:ext cx="3536056" cy="432048"/>
+            <a:chOff x="8661966" y="3645024"/>
+            <a:chExt cx="3536056" cy="432048"/>
+          </a:xfrm>
+          <a:solidFill>
+            <a:schemeClr val="accent4">
+              <a:lumMod val="20000"/>
+              <a:lumOff val="80000"/>
+            </a:schemeClr>
+          </a:solidFill>
+        </p:grpSpPr>
+        <p:sp>
+          <p:nvSpPr>
+            <p:cNvPr id="3" name="텍스트 개체 틀 1">
+              <a:extLst>
+                <a:ext uri="{FF2B5EF4-FFF2-40B4-BE49-F238E27FC236}">
+                  <a16:creationId xmlns:a16="http://schemas.microsoft.com/office/drawing/2014/main" id="{B59C7601-F2A8-4121-90A0-BDDC368C1E6A}"/>
+                </a:ext>
+              </a:extLst>
+            </p:cNvPr>
+            <p:cNvSpPr txBox="1">
+              <a:spLocks/>
+            </p:cNvSpPr>
+            <p:nvPr/>
+          </p:nvSpPr>
+          <p:spPr bwMode="black">
+            <a:xfrm>
+              <a:off x="8666783" y="3789040"/>
+              <a:ext cx="3528392" cy="144016"/>
+            </a:xfrm>
+            <a:prstGeom prst="rect">
+              <a:avLst/>
+            </a:prstGeom>
+            <a:grpFill/>
+          </p:spPr>
+          <p:txBody>
+            <a:bodyPr vert="horz" lIns="0" tIns="0" rIns="0" bIns="0" rtlCol="0">
+              <a:normAutofit lnSpcReduction="10000"/>
+            </a:bodyPr>
+            <a:lstStyle>
+              <a:lvl1pPr marL="0" marR="0" indent="0" algn="l" defTabSz="1088558" rtl="0" eaLnBrk="1" fontAlgn="auto" latinLnBrk="0" hangingPunct="1">
+                <a:lnSpc>
+                  <a:spcPct val="100000"/>
+                </a:lnSpc>
+                <a:spcBef>
+                  <a:spcPts val="3000"/>
+                </a:spcBef>
+                <a:spcAft>
+                  <a:spcPts val="0"/>
+                </a:spcAft>
+                <a:buClr>
+                  <a:schemeClr val="accent1"/>
+                </a:buClr>
+                <a:buSzPct val="80000"/>
+                <a:buFontTx/>
+                <a:buNone/>
+                <a:tabLst/>
+                <a:defRPr sz="2000" b="0" kern="1200">
+                  <a:solidFill>
+                    <a:schemeClr val="tx1"/>
+                  </a:solidFill>
+                  <a:latin typeface="+mn-lt"/>
+                  <a:ea typeface="+mn-ea"/>
+                  <a:cs typeface="+mn-cs"/>
+                </a:defRPr>
+              </a:lvl1pPr>
+              <a:lvl2pPr marL="179964" marR="0" indent="-179964" algn="l" defTabSz="1088558" rtl="0" eaLnBrk="1" fontAlgn="auto" latinLnBrk="0" hangingPunct="1">
+                <a:lnSpc>
+                  <a:spcPct val="100000"/>
+                </a:lnSpc>
+                <a:spcBef>
+                  <a:spcPts val="600"/>
+                </a:spcBef>
+                <a:spcAft>
+                  <a:spcPts val="0"/>
+                </a:spcAft>
+                <a:buClr>
+                  <a:schemeClr val="accent1"/>
+                </a:buClr>
+                <a:buSzPct val="100000"/>
+                <a:buFont typeface="Wingdings" panose="05000000000000000000" pitchFamily="2" charset="2"/>
+                <a:buChar char="§"/>
+                <a:tabLst/>
+                <a:defRPr sz="1800" kern="1200">
+                  <a:solidFill>
+                    <a:schemeClr val="tx1"/>
+                  </a:solidFill>
+                  <a:latin typeface="+mn-lt"/>
+                  <a:ea typeface="+mn-ea"/>
+                  <a:cs typeface="+mn-cs"/>
+                </a:defRPr>
+              </a:lvl2pPr>
+              <a:lvl3pPr marL="359928" marR="0" indent="-179352" algn="l" defTabSz="1088558" rtl="0" eaLnBrk="1" fontAlgn="auto" latinLnBrk="0" hangingPunct="1">
+                <a:lnSpc>
+                  <a:spcPct val="100000"/>
+                </a:lnSpc>
+                <a:spcBef>
+                  <a:spcPts val="400"/>
+                </a:spcBef>
+                <a:spcAft>
+                  <a:spcPts val="0"/>
+                </a:spcAft>
+                <a:buClr>
                   <a:schemeClr val="tx1"/>
-                </a:solidFill>
-                <a:latin typeface="+mn-lt"/>
-                <a:ea typeface="+mn-ea"/>
-                <a:cs typeface="+mn-cs"/>
-              </a:defRPr>
-            </a:lvl1pPr>
-            <a:lvl2pPr marL="179964" marR="0" indent="-179964" algn="l" defTabSz="1088558" rtl="0" eaLnBrk="1" fontAlgn="auto" latinLnBrk="0" hangingPunct="1">
-              <a:lnSpc>
-                <a:spcPct val="100000"/>
-              </a:lnSpc>
-              <a:spcBef>
-                <a:spcPts val="600"/>
-              </a:spcBef>
-              <a:spcAft>
-                <a:spcPts val="0"/>
-              </a:spcAft>
-              <a:buClr>
-                <a:schemeClr val="accent1"/>
-              </a:buClr>
-              <a:buSzPct val="100000"/>
-              <a:buFont typeface="Wingdings" panose="05000000000000000000" pitchFamily="2" charset="2"/>
-              <a:buChar char="§"/>
-              <a:tabLst/>
-              <a:defRPr sz="1800" kern="1200">
-                <a:solidFill>
+                </a:buClr>
+                <a:buSzPct val="100000"/>
+                <a:buFont typeface="Arial" pitchFamily="34" charset="0"/>
+                <a:buChar char="–"/>
+                <a:tabLst/>
+                <a:defRPr lang="en-US" sz="1800" kern="1200" baseline="0" noProof="0">
+                  <a:solidFill>
+                    <a:schemeClr val="tx1"/>
+                  </a:solidFill>
+                  <a:latin typeface="+mn-lt"/>
+                  <a:ea typeface="+mn-ea"/>
+                  <a:cs typeface="+mn-cs"/>
+                </a:defRPr>
+              </a:lvl3pPr>
+              <a:lvl4pPr marL="539892" marR="0" indent="-179964" algn="l" defTabSz="1088558" rtl="0" eaLnBrk="1" fontAlgn="auto" latinLnBrk="0" hangingPunct="1">
+                <a:lnSpc>
+                  <a:spcPct val="100000"/>
+                </a:lnSpc>
+                <a:spcBef>
+                  <a:spcPts val="250"/>
+                </a:spcBef>
+                <a:spcAft>
+                  <a:spcPts val="0"/>
+                </a:spcAft>
+                <a:buClr>
                   <a:schemeClr val="tx1"/>
-                </a:solidFill>
-                <a:latin typeface="+mn-lt"/>
-                <a:ea typeface="+mn-ea"/>
-                <a:cs typeface="+mn-cs"/>
-              </a:defRPr>
-            </a:lvl2pPr>
-            <a:lvl3pPr marL="359928" marR="0" indent="-179352" algn="l" defTabSz="1088558" rtl="0" eaLnBrk="1" fontAlgn="auto" latinLnBrk="0" hangingPunct="1">
-              <a:lnSpc>
-                <a:spcPct val="100000"/>
-              </a:lnSpc>
-              <a:spcBef>
-                <a:spcPts val="400"/>
-              </a:spcBef>
-              <a:spcAft>
-                <a:spcPts val="0"/>
-              </a:spcAft>
-              <a:buClr>
-                <a:schemeClr val="tx1"/>
-              </a:buClr>
-              <a:buSzPct val="100000"/>
-              <a:buFont typeface="Arial" pitchFamily="34" charset="0"/>
-              <a:buChar char="–"/>
-              <a:tabLst/>
-              <a:defRPr lang="en-US" sz="1800" kern="1200" baseline="0" noProof="0">
-                <a:solidFill>
-                  <a:schemeClr val="tx1"/>
-                </a:solidFill>
-                <a:latin typeface="+mn-lt"/>
-                <a:ea typeface="+mn-ea"/>
-                <a:cs typeface="+mn-cs"/>
-              </a:defRPr>
-            </a:lvl3pPr>
-            <a:lvl4pPr marL="539892" marR="0" indent="-179964" algn="l" defTabSz="1088558" rtl="0" eaLnBrk="1" fontAlgn="auto" latinLnBrk="0" hangingPunct="1">
-              <a:lnSpc>
-                <a:spcPct val="100000"/>
-              </a:lnSpc>
-              <a:spcBef>
-                <a:spcPts val="250"/>
-              </a:spcBef>
-              <a:spcAft>
-                <a:spcPts val="0"/>
-              </a:spcAft>
-              <a:buClr>
-                <a:schemeClr val="tx1"/>
-              </a:buClr>
-              <a:buSzPct val="100000"/>
-              <a:buFont typeface="Courier New" pitchFamily="49" charset="0"/>
-              <a:buChar char="o"/>
-              <a:tabLst/>
-              <a:defRPr sz="1600" kern="1200">
-                <a:solidFill>
-                  <a:schemeClr val="tx1"/>
-                </a:solidFill>
-                <a:latin typeface="+mn-lt"/>
-                <a:ea typeface="+mn-ea"/>
-                <a:cs typeface="+mn-cs"/>
-              </a:defRPr>
-            </a:lvl4pPr>
-            <a:lvl5pPr marL="719856" indent="-179964" algn="l" defTabSz="1088558" rtl="0" eaLnBrk="1" latinLnBrk="1" hangingPunct="1">
-              <a:spcBef>
-                <a:spcPts val="100"/>
-              </a:spcBef>
-              <a:buClr>
-                <a:schemeClr val="accent2"/>
-              </a:buClr>
-              <a:buSzPct val="100000"/>
-              <a:buFont typeface="Arial" pitchFamily="34" charset="0"/>
-              <a:buChar char="–"/>
-              <a:defRPr sz="1400" kern="1200" baseline="0">
-                <a:solidFill>
-                  <a:schemeClr val="tx1"/>
-                </a:solidFill>
-                <a:latin typeface="+mn-lt"/>
-                <a:ea typeface="+mn-ea"/>
-                <a:cs typeface="+mn-cs"/>
-              </a:defRPr>
-            </a:lvl5pPr>
-            <a:lvl6pPr marL="2993535" indent="-272140" algn="l" defTabSz="1088558" rtl="0" eaLnBrk="1" latinLnBrk="1" hangingPunct="1">
-              <a:spcBef>
-                <a:spcPct val="20000"/>
-              </a:spcBef>
-              <a:buFont typeface="Arial" pitchFamily="34" charset="0"/>
-              <a:buChar char="•"/>
-              <a:defRPr sz="2400" kern="1200">
-                <a:solidFill>
-                  <a:schemeClr val="tx1"/>
-                </a:solidFill>
-                <a:latin typeface="+mn-lt"/>
-                <a:ea typeface="+mn-ea"/>
-                <a:cs typeface="+mn-cs"/>
-              </a:defRPr>
-            </a:lvl6pPr>
-            <a:lvl7pPr marL="3537814" indent="-272140" algn="l" defTabSz="1088558" rtl="0" eaLnBrk="1" latinLnBrk="1" hangingPunct="1">
-              <a:spcBef>
-                <a:spcPct val="20000"/>
-              </a:spcBef>
-              <a:buFont typeface="Arial" pitchFamily="34" charset="0"/>
-              <a:buChar char="•"/>
-              <a:defRPr sz="2400" kern="1200">
-                <a:solidFill>
-                  <a:schemeClr val="tx1"/>
-                </a:solidFill>
-                <a:latin typeface="+mn-lt"/>
-                <a:ea typeface="+mn-ea"/>
-                <a:cs typeface="+mn-cs"/>
-              </a:defRPr>
-            </a:lvl7pPr>
-            <a:lvl8pPr marL="4082093" indent="-272140" algn="l" defTabSz="1088558" rtl="0" eaLnBrk="1" latinLnBrk="1" hangingPunct="1">
-              <a:spcBef>
-                <a:spcPct val="20000"/>
-              </a:spcBef>
-              <a:buFont typeface="Arial" pitchFamily="34" charset="0"/>
-              <a:buChar char="•"/>
-              <a:defRPr sz="2400" kern="1200">
-                <a:solidFill>
-                  <a:schemeClr val="tx1"/>
-                </a:solidFill>
-                <a:latin typeface="+mn-lt"/>
-                <a:ea typeface="+mn-ea"/>
-                <a:cs typeface="+mn-cs"/>
-              </a:defRPr>
-            </a:lvl8pPr>
-            <a:lvl9pPr marL="4626373" indent="-272140" algn="l" defTabSz="1088558" rtl="0" eaLnBrk="1" latinLnBrk="1" hangingPunct="1">
-              <a:spcBef>
-                <a:spcPct val="20000"/>
-              </a:spcBef>
-              <a:buFont typeface="Arial" pitchFamily="34" charset="0"/>
-              <a:buChar char="•"/>
-              <a:defRPr sz="2400" kern="1200">
-                <a:solidFill>
-                  <a:schemeClr val="tx1"/>
-                </a:solidFill>
-                <a:latin typeface="+mn-lt"/>
-                <a:ea typeface="+mn-ea"/>
-                <a:cs typeface="+mn-cs"/>
-              </a:defRPr>
-            </a:lvl9pPr>
-          </a:lstStyle>
-          <a:p>
-            <a:pPr algn="r"/>
-            <a:r>
-              <a:rPr lang="ko-KR" altLang="en-US" sz="1000" dirty="0">
+                </a:buClr>
+                <a:buSzPct val="100000"/>
+                <a:buFont typeface="Courier New" pitchFamily="49" charset="0"/>
+                <a:buChar char="o"/>
+                <a:tabLst/>
+                <a:defRPr sz="1600" kern="1200">
+                  <a:solidFill>
+                    <a:schemeClr val="tx1"/>
+                  </a:solidFill>
+                  <a:latin typeface="+mn-lt"/>
+                  <a:ea typeface="+mn-ea"/>
+                  <a:cs typeface="+mn-cs"/>
+                </a:defRPr>
+              </a:lvl4pPr>
+              <a:lvl5pPr marL="719856" indent="-179964" algn="l" defTabSz="1088558" rtl="0" eaLnBrk="1" latinLnBrk="1" hangingPunct="1">
+                <a:spcBef>
+                  <a:spcPts val="100"/>
+                </a:spcBef>
+                <a:buClr>
+                  <a:schemeClr val="accent2"/>
+                </a:buClr>
+                <a:buSzPct val="100000"/>
+                <a:buFont typeface="Arial" pitchFamily="34" charset="0"/>
+                <a:buChar char="–"/>
+                <a:defRPr sz="1400" kern="1200" baseline="0">
+                  <a:solidFill>
+                    <a:schemeClr val="tx1"/>
+                  </a:solidFill>
+                  <a:latin typeface="+mn-lt"/>
+                  <a:ea typeface="+mn-ea"/>
+                  <a:cs typeface="+mn-cs"/>
+                </a:defRPr>
+              </a:lvl5pPr>
+              <a:lvl6pPr marL="2993535" indent="-272140" algn="l" defTabSz="1088558" rtl="0" eaLnBrk="1" latinLnBrk="1" hangingPunct="1">
+                <a:spcBef>
+                  <a:spcPct val="20000"/>
+                </a:spcBef>
+                <a:buFont typeface="Arial" pitchFamily="34" charset="0"/>
+                <a:buChar char="•"/>
+                <a:defRPr sz="2400" kern="1200">
+                  <a:solidFill>
+                    <a:schemeClr val="tx1"/>
+                  </a:solidFill>
+                  <a:latin typeface="+mn-lt"/>
+                  <a:ea typeface="+mn-ea"/>
+                  <a:cs typeface="+mn-cs"/>
+                </a:defRPr>
+              </a:lvl6pPr>
+              <a:lvl7pPr marL="3537814" indent="-272140" algn="l" defTabSz="1088558" rtl="0" eaLnBrk="1" latinLnBrk="1" hangingPunct="1">
+                <a:spcBef>
+                  <a:spcPct val="20000"/>
+                </a:spcBef>
+                <a:buFont typeface="Arial" pitchFamily="34" charset="0"/>
+                <a:buChar char="•"/>
+                <a:defRPr sz="2400" kern="1200">
+                  <a:solidFill>
+                    <a:schemeClr val="tx1"/>
+                  </a:solidFill>
+                  <a:latin typeface="+mn-lt"/>
+                  <a:ea typeface="+mn-ea"/>
+                  <a:cs typeface="+mn-cs"/>
+                </a:defRPr>
+              </a:lvl7pPr>
+              <a:lvl8pPr marL="4082093" indent="-272140" algn="l" defTabSz="1088558" rtl="0" eaLnBrk="1" latinLnBrk="1" hangingPunct="1">
+                <a:spcBef>
+                  <a:spcPct val="20000"/>
+                </a:spcBef>
+                <a:buFont typeface="Arial" pitchFamily="34" charset="0"/>
+                <a:buChar char="•"/>
+                <a:defRPr sz="2400" kern="1200">
+                  <a:solidFill>
+                    <a:schemeClr val="tx1"/>
+                  </a:solidFill>
+                  <a:latin typeface="+mn-lt"/>
+                  <a:ea typeface="+mn-ea"/>
+                  <a:cs typeface="+mn-cs"/>
+                </a:defRPr>
+              </a:lvl8pPr>
+              <a:lvl9pPr marL="4626373" indent="-272140" algn="l" defTabSz="1088558" rtl="0" eaLnBrk="1" latinLnBrk="1" hangingPunct="1">
+                <a:spcBef>
+                  <a:spcPct val="20000"/>
+                </a:spcBef>
+                <a:buFont typeface="Arial" pitchFamily="34" charset="0"/>
+                <a:buChar char="•"/>
+                <a:defRPr sz="2400" kern="1200">
+                  <a:solidFill>
+                    <a:schemeClr val="tx1"/>
+                  </a:solidFill>
+                  <a:latin typeface="+mn-lt"/>
+                  <a:ea typeface="+mn-ea"/>
+                  <a:cs typeface="+mn-cs"/>
+                </a:defRPr>
+              </a:lvl9pPr>
+            </a:lstStyle>
+            <a:p>
+              <a:pPr algn="r"/>
+              <a:r>
+                <a:rPr lang="ko-KR" altLang="en-US" sz="1000" dirty="0">
+                  <a:latin typeface="KoPub돋움체 Medium" panose="02020603020101020101" pitchFamily="18" charset="-127"/>
+                  <a:ea typeface="KoPub돋움체 Medium" panose="02020603020101020101" pitchFamily="18" charset="-127"/>
+                </a:rPr>
+                <a:t>대여건수에 비해 거치대가 몰려 있는 것을 알 수 있다</a:t>
+              </a:r>
+              <a:endParaRPr lang="en-US" altLang="ko-KR" sz="1000" dirty="0">
                 <a:latin typeface="KoPub돋움체 Medium" panose="02020603020101020101" pitchFamily="18" charset="-127"/>
                 <a:ea typeface="KoPub돋움체 Medium" panose="02020603020101020101" pitchFamily="18" charset="-127"/>
-              </a:rPr>
-              <a:t>대여건수에 비해 거치대가 </a:t>
-            </a:r>
-            <a:r>
-              <a:rPr lang="ko-KR" altLang="en-US" sz="1000" dirty="0" err="1">
+              </a:endParaRPr>
+            </a:p>
+          </p:txBody>
+        </p:sp>
+        <p:sp>
+          <p:nvSpPr>
+            <p:cNvPr id="5" name="텍스트 개체 틀 1">
+              <a:extLst>
+                <a:ext uri="{FF2B5EF4-FFF2-40B4-BE49-F238E27FC236}">
+                  <a16:creationId xmlns:a16="http://schemas.microsoft.com/office/drawing/2014/main" id="{453573C8-7DB7-420F-9A88-51E51CC72485}"/>
+                </a:ext>
+              </a:extLst>
+            </p:cNvPr>
+            <p:cNvSpPr txBox="1">
+              <a:spLocks/>
+            </p:cNvSpPr>
+            <p:nvPr/>
+          </p:nvSpPr>
+          <p:spPr bwMode="black">
+            <a:xfrm>
+              <a:off x="8669630" y="3933056"/>
+              <a:ext cx="3528392" cy="144016"/>
+            </a:xfrm>
+            <a:prstGeom prst="rect">
+              <a:avLst/>
+            </a:prstGeom>
+            <a:grpFill/>
+          </p:spPr>
+          <p:txBody>
+            <a:bodyPr vert="horz" lIns="0" tIns="0" rIns="0" bIns="0" rtlCol="0">
+              <a:normAutofit lnSpcReduction="10000"/>
+            </a:bodyPr>
+            <a:lstStyle>
+              <a:lvl1pPr marL="0" marR="0" indent="0" algn="l" defTabSz="1088558" rtl="0" eaLnBrk="1" fontAlgn="auto" latinLnBrk="0" hangingPunct="1">
+                <a:lnSpc>
+                  <a:spcPct val="100000"/>
+                </a:lnSpc>
+                <a:spcBef>
+                  <a:spcPts val="3000"/>
+                </a:spcBef>
+                <a:spcAft>
+                  <a:spcPts val="0"/>
+                </a:spcAft>
+                <a:buClr>
+                  <a:schemeClr val="accent1"/>
+                </a:buClr>
+                <a:buSzPct val="80000"/>
+                <a:buFontTx/>
+                <a:buNone/>
+                <a:tabLst/>
+                <a:defRPr sz="2000" b="0" kern="1200">
+                  <a:solidFill>
+                    <a:schemeClr val="tx1"/>
+                  </a:solidFill>
+                  <a:latin typeface="+mn-lt"/>
+                  <a:ea typeface="+mn-ea"/>
+                  <a:cs typeface="+mn-cs"/>
+                </a:defRPr>
+              </a:lvl1pPr>
+              <a:lvl2pPr marL="179964" marR="0" indent="-179964" algn="l" defTabSz="1088558" rtl="0" eaLnBrk="1" fontAlgn="auto" latinLnBrk="0" hangingPunct="1">
+                <a:lnSpc>
+                  <a:spcPct val="100000"/>
+                </a:lnSpc>
+                <a:spcBef>
+                  <a:spcPts val="600"/>
+                </a:spcBef>
+                <a:spcAft>
+                  <a:spcPts val="0"/>
+                </a:spcAft>
+                <a:buClr>
+                  <a:schemeClr val="accent1"/>
+                </a:buClr>
+                <a:buSzPct val="100000"/>
+                <a:buFont typeface="Wingdings" panose="05000000000000000000" pitchFamily="2" charset="2"/>
+                <a:buChar char="§"/>
+                <a:tabLst/>
+                <a:defRPr sz="1800" kern="1200">
+                  <a:solidFill>
+                    <a:schemeClr val="tx1"/>
+                  </a:solidFill>
+                  <a:latin typeface="+mn-lt"/>
+                  <a:ea typeface="+mn-ea"/>
+                  <a:cs typeface="+mn-cs"/>
+                </a:defRPr>
+              </a:lvl2pPr>
+              <a:lvl3pPr marL="359928" marR="0" indent="-179352" algn="l" defTabSz="1088558" rtl="0" eaLnBrk="1" fontAlgn="auto" latinLnBrk="0" hangingPunct="1">
+                <a:lnSpc>
+                  <a:spcPct val="100000"/>
+                </a:lnSpc>
+                <a:spcBef>
+                  <a:spcPts val="400"/>
+                </a:spcBef>
+                <a:spcAft>
+                  <a:spcPts val="0"/>
+                </a:spcAft>
+                <a:buClr>
+                  <a:schemeClr val="tx1"/>
+                </a:buClr>
+                <a:buSzPct val="100000"/>
+                <a:buFont typeface="Arial" pitchFamily="34" charset="0"/>
+                <a:buChar char="–"/>
+                <a:tabLst/>
+                <a:defRPr lang="en-US" sz="1800" kern="1200" baseline="0" noProof="0">
+                  <a:solidFill>
+                    <a:schemeClr val="tx1"/>
+                  </a:solidFill>
+                  <a:latin typeface="+mn-lt"/>
+                  <a:ea typeface="+mn-ea"/>
+                  <a:cs typeface="+mn-cs"/>
+                </a:defRPr>
+              </a:lvl3pPr>
+              <a:lvl4pPr marL="539892" marR="0" indent="-179964" algn="l" defTabSz="1088558" rtl="0" eaLnBrk="1" fontAlgn="auto" latinLnBrk="0" hangingPunct="1">
+                <a:lnSpc>
+                  <a:spcPct val="100000"/>
+                </a:lnSpc>
+                <a:spcBef>
+                  <a:spcPts val="250"/>
+                </a:spcBef>
+                <a:spcAft>
+                  <a:spcPts val="0"/>
+                </a:spcAft>
+                <a:buClr>
+                  <a:schemeClr val="tx1"/>
+                </a:buClr>
+                <a:buSzPct val="100000"/>
+                <a:buFont typeface="Courier New" pitchFamily="49" charset="0"/>
+                <a:buChar char="o"/>
+                <a:tabLst/>
+                <a:defRPr sz="1600" kern="1200">
+                  <a:solidFill>
+                    <a:schemeClr val="tx1"/>
+                  </a:solidFill>
+                  <a:latin typeface="+mn-lt"/>
+                  <a:ea typeface="+mn-ea"/>
+                  <a:cs typeface="+mn-cs"/>
+                </a:defRPr>
+              </a:lvl4pPr>
+              <a:lvl5pPr marL="719856" indent="-179964" algn="l" defTabSz="1088558" rtl="0" eaLnBrk="1" latinLnBrk="1" hangingPunct="1">
+                <a:spcBef>
+                  <a:spcPts val="100"/>
+                </a:spcBef>
+                <a:buClr>
+                  <a:schemeClr val="accent2"/>
+                </a:buClr>
+                <a:buSzPct val="100000"/>
+                <a:buFont typeface="Arial" pitchFamily="34" charset="0"/>
+                <a:buChar char="–"/>
+                <a:defRPr sz="1400" kern="1200" baseline="0">
+                  <a:solidFill>
+                    <a:schemeClr val="tx1"/>
+                  </a:solidFill>
+                  <a:latin typeface="+mn-lt"/>
+                  <a:ea typeface="+mn-ea"/>
+                  <a:cs typeface="+mn-cs"/>
+                </a:defRPr>
+              </a:lvl5pPr>
+              <a:lvl6pPr marL="2993535" indent="-272140" algn="l" defTabSz="1088558" rtl="0" eaLnBrk="1" latinLnBrk="1" hangingPunct="1">
+                <a:spcBef>
+                  <a:spcPct val="20000"/>
+                </a:spcBef>
+                <a:buFont typeface="Arial" pitchFamily="34" charset="0"/>
+                <a:buChar char="•"/>
+                <a:defRPr sz="2400" kern="1200">
+                  <a:solidFill>
+                    <a:schemeClr val="tx1"/>
+                  </a:solidFill>
+                  <a:latin typeface="+mn-lt"/>
+                  <a:ea typeface="+mn-ea"/>
+                  <a:cs typeface="+mn-cs"/>
+                </a:defRPr>
+              </a:lvl6pPr>
+              <a:lvl7pPr marL="3537814" indent="-272140" algn="l" defTabSz="1088558" rtl="0" eaLnBrk="1" latinLnBrk="1" hangingPunct="1">
+                <a:spcBef>
+                  <a:spcPct val="20000"/>
+                </a:spcBef>
+                <a:buFont typeface="Arial" pitchFamily="34" charset="0"/>
+                <a:buChar char="•"/>
+                <a:defRPr sz="2400" kern="1200">
+                  <a:solidFill>
+                    <a:schemeClr val="tx1"/>
+                  </a:solidFill>
+                  <a:latin typeface="+mn-lt"/>
+                  <a:ea typeface="+mn-ea"/>
+                  <a:cs typeface="+mn-cs"/>
+                </a:defRPr>
+              </a:lvl7pPr>
+              <a:lvl8pPr marL="4082093" indent="-272140" algn="l" defTabSz="1088558" rtl="0" eaLnBrk="1" latinLnBrk="1" hangingPunct="1">
+                <a:spcBef>
+                  <a:spcPct val="20000"/>
+                </a:spcBef>
+                <a:buFont typeface="Arial" pitchFamily="34" charset="0"/>
+                <a:buChar char="•"/>
+                <a:defRPr sz="2400" kern="1200">
+                  <a:solidFill>
+                    <a:schemeClr val="tx1"/>
+                  </a:solidFill>
+                  <a:latin typeface="+mn-lt"/>
+                  <a:ea typeface="+mn-ea"/>
+                  <a:cs typeface="+mn-cs"/>
+                </a:defRPr>
+              </a:lvl8pPr>
+              <a:lvl9pPr marL="4626373" indent="-272140" algn="l" defTabSz="1088558" rtl="0" eaLnBrk="1" latinLnBrk="1" hangingPunct="1">
+                <a:spcBef>
+                  <a:spcPct val="20000"/>
+                </a:spcBef>
+                <a:buFont typeface="Arial" pitchFamily="34" charset="0"/>
+                <a:buChar char="•"/>
+                <a:defRPr sz="2400" kern="1200">
+                  <a:solidFill>
+                    <a:schemeClr val="tx1"/>
+                  </a:solidFill>
+                  <a:latin typeface="+mn-lt"/>
+                  <a:ea typeface="+mn-ea"/>
+                  <a:cs typeface="+mn-cs"/>
+                </a:defRPr>
+              </a:lvl9pPr>
+            </a:lstStyle>
+            <a:p>
+              <a:pPr algn="r"/>
+              <a:r>
+                <a:rPr lang="ko-KR" altLang="en-US" sz="1000" dirty="0">
+                  <a:latin typeface="KoPub돋움체 Medium" panose="02020603020101020101" pitchFamily="18" charset="-127"/>
+                  <a:ea typeface="KoPub돋움체 Medium" panose="02020603020101020101" pitchFamily="18" charset="-127"/>
+                </a:rPr>
+                <a:t>따릉이 이용은 주로 </a:t>
+              </a:r>
+              <a:r>
+                <a:rPr lang="en-US" altLang="ko-KR" sz="1000" dirty="0">
+                  <a:latin typeface="KoPub돋움체 Medium" panose="02020603020101020101" pitchFamily="18" charset="-127"/>
+                  <a:ea typeface="KoPub돋움체 Medium" panose="02020603020101020101" pitchFamily="18" charset="-127"/>
+                </a:rPr>
+                <a:t>9,10</a:t>
+              </a:r>
+              <a:r>
+                <a:rPr lang="ko-KR" altLang="en-US" sz="1000" dirty="0">
+                  <a:latin typeface="KoPub돋움체 Medium" panose="02020603020101020101" pitchFamily="18" charset="-127"/>
+                  <a:ea typeface="KoPub돋움체 Medium" panose="02020603020101020101" pitchFamily="18" charset="-127"/>
+                </a:rPr>
+                <a:t>월 이 주로  높다</a:t>
+              </a:r>
+              <a:endParaRPr lang="en-US" altLang="ko-KR" sz="1000" dirty="0">
                 <a:latin typeface="KoPub돋움체 Medium" panose="02020603020101020101" pitchFamily="18" charset="-127"/>
                 <a:ea typeface="KoPub돋움체 Medium" panose="02020603020101020101" pitchFamily="18" charset="-127"/>
-              </a:rPr>
-              <a:t>몰려있는</a:t>
-            </a:r>
-            <a:r>
-              <a:rPr lang="ko-KR" altLang="en-US" sz="1000" dirty="0">
+              </a:endParaRPr>
+            </a:p>
+          </p:txBody>
+        </p:sp>
+        <p:sp>
+          <p:nvSpPr>
+            <p:cNvPr id="4" name="텍스트 개체 틀 1">
+              <a:extLst>
+                <a:ext uri="{FF2B5EF4-FFF2-40B4-BE49-F238E27FC236}">
+                  <a16:creationId xmlns:a16="http://schemas.microsoft.com/office/drawing/2014/main" id="{8184CB8E-F6E5-45BD-9461-EF157E90ABFC}"/>
+                </a:ext>
+              </a:extLst>
+            </p:cNvPr>
+            <p:cNvSpPr txBox="1">
+              <a:spLocks/>
+            </p:cNvSpPr>
+            <p:nvPr/>
+          </p:nvSpPr>
+          <p:spPr bwMode="black">
+            <a:xfrm>
+              <a:off x="8661966" y="3645024"/>
+              <a:ext cx="3528392" cy="144016"/>
+            </a:xfrm>
+            <a:prstGeom prst="rect">
+              <a:avLst/>
+            </a:prstGeom>
+            <a:grpFill/>
+          </p:spPr>
+          <p:txBody>
+            <a:bodyPr vert="horz" lIns="0" tIns="0" rIns="0" bIns="0" rtlCol="0">
+              <a:normAutofit lnSpcReduction="10000"/>
+            </a:bodyPr>
+            <a:lstStyle>
+              <a:lvl1pPr marL="0" marR="0" indent="0" algn="l" defTabSz="1088558" rtl="0" eaLnBrk="1" fontAlgn="auto" latinLnBrk="0" hangingPunct="1">
+                <a:lnSpc>
+                  <a:spcPct val="100000"/>
+                </a:lnSpc>
+                <a:spcBef>
+                  <a:spcPts val="3000"/>
+                </a:spcBef>
+                <a:spcAft>
+                  <a:spcPts val="0"/>
+                </a:spcAft>
+                <a:buClr>
+                  <a:schemeClr val="accent1"/>
+                </a:buClr>
+                <a:buSzPct val="80000"/>
+                <a:buFontTx/>
+                <a:buNone/>
+                <a:tabLst/>
+                <a:defRPr sz="2000" b="0" kern="1200">
+                  <a:solidFill>
+                    <a:schemeClr val="tx1"/>
+                  </a:solidFill>
+                  <a:latin typeface="+mn-lt"/>
+                  <a:ea typeface="+mn-ea"/>
+                  <a:cs typeface="+mn-cs"/>
+                </a:defRPr>
+              </a:lvl1pPr>
+              <a:lvl2pPr marL="179964" marR="0" indent="-179964" algn="l" defTabSz="1088558" rtl="0" eaLnBrk="1" fontAlgn="auto" latinLnBrk="0" hangingPunct="1">
+                <a:lnSpc>
+                  <a:spcPct val="100000"/>
+                </a:lnSpc>
+                <a:spcBef>
+                  <a:spcPts val="600"/>
+                </a:spcBef>
+                <a:spcAft>
+                  <a:spcPts val="0"/>
+                </a:spcAft>
+                <a:buClr>
+                  <a:schemeClr val="accent1"/>
+                </a:buClr>
+                <a:buSzPct val="100000"/>
+                <a:buFont typeface="Wingdings" panose="05000000000000000000" pitchFamily="2" charset="2"/>
+                <a:buChar char="§"/>
+                <a:tabLst/>
+                <a:defRPr sz="1800" kern="1200">
+                  <a:solidFill>
+                    <a:schemeClr val="tx1"/>
+                  </a:solidFill>
+                  <a:latin typeface="+mn-lt"/>
+                  <a:ea typeface="+mn-ea"/>
+                  <a:cs typeface="+mn-cs"/>
+                </a:defRPr>
+              </a:lvl2pPr>
+              <a:lvl3pPr marL="359928" marR="0" indent="-179352" algn="l" defTabSz="1088558" rtl="0" eaLnBrk="1" fontAlgn="auto" latinLnBrk="0" hangingPunct="1">
+                <a:lnSpc>
+                  <a:spcPct val="100000"/>
+                </a:lnSpc>
+                <a:spcBef>
+                  <a:spcPts val="400"/>
+                </a:spcBef>
+                <a:spcAft>
+                  <a:spcPts val="0"/>
+                </a:spcAft>
+                <a:buClr>
+                  <a:schemeClr val="tx1"/>
+                </a:buClr>
+                <a:buSzPct val="100000"/>
+                <a:buFont typeface="Arial" pitchFamily="34" charset="0"/>
+                <a:buChar char="–"/>
+                <a:tabLst/>
+                <a:defRPr lang="en-US" sz="1800" kern="1200" baseline="0" noProof="0">
+                  <a:solidFill>
+                    <a:schemeClr val="tx1"/>
+                  </a:solidFill>
+                  <a:latin typeface="+mn-lt"/>
+                  <a:ea typeface="+mn-ea"/>
+                  <a:cs typeface="+mn-cs"/>
+                </a:defRPr>
+              </a:lvl3pPr>
+              <a:lvl4pPr marL="539892" marR="0" indent="-179964" algn="l" defTabSz="1088558" rtl="0" eaLnBrk="1" fontAlgn="auto" latinLnBrk="0" hangingPunct="1">
+                <a:lnSpc>
+                  <a:spcPct val="100000"/>
+                </a:lnSpc>
+                <a:spcBef>
+                  <a:spcPts val="250"/>
+                </a:spcBef>
+                <a:spcAft>
+                  <a:spcPts val="0"/>
+                </a:spcAft>
+                <a:buClr>
+                  <a:schemeClr val="tx1"/>
+                </a:buClr>
+                <a:buSzPct val="100000"/>
+                <a:buFont typeface="Courier New" pitchFamily="49" charset="0"/>
+                <a:buChar char="o"/>
+                <a:tabLst/>
+                <a:defRPr sz="1600" kern="1200">
+                  <a:solidFill>
+                    <a:schemeClr val="tx1"/>
+                  </a:solidFill>
+                  <a:latin typeface="+mn-lt"/>
+                  <a:ea typeface="+mn-ea"/>
+                  <a:cs typeface="+mn-cs"/>
+                </a:defRPr>
+              </a:lvl4pPr>
+              <a:lvl5pPr marL="719856" indent="-179964" algn="l" defTabSz="1088558" rtl="0" eaLnBrk="1" latinLnBrk="1" hangingPunct="1">
+                <a:spcBef>
+                  <a:spcPts val="100"/>
+                </a:spcBef>
+                <a:buClr>
+                  <a:schemeClr val="accent2"/>
+                </a:buClr>
+                <a:buSzPct val="100000"/>
+                <a:buFont typeface="Arial" pitchFamily="34" charset="0"/>
+                <a:buChar char="–"/>
+                <a:defRPr sz="1400" kern="1200" baseline="0">
+                  <a:solidFill>
+                    <a:schemeClr val="tx1"/>
+                  </a:solidFill>
+                  <a:latin typeface="+mn-lt"/>
+                  <a:ea typeface="+mn-ea"/>
+                  <a:cs typeface="+mn-cs"/>
+                </a:defRPr>
+              </a:lvl5pPr>
+              <a:lvl6pPr marL="2993535" indent="-272140" algn="l" defTabSz="1088558" rtl="0" eaLnBrk="1" latinLnBrk="1" hangingPunct="1">
+                <a:spcBef>
+                  <a:spcPct val="20000"/>
+                </a:spcBef>
+                <a:buFont typeface="Arial" pitchFamily="34" charset="0"/>
+                <a:buChar char="•"/>
+                <a:defRPr sz="2400" kern="1200">
+                  <a:solidFill>
+                    <a:schemeClr val="tx1"/>
+                  </a:solidFill>
+                  <a:latin typeface="+mn-lt"/>
+                  <a:ea typeface="+mn-ea"/>
+                  <a:cs typeface="+mn-cs"/>
+                </a:defRPr>
+              </a:lvl6pPr>
+              <a:lvl7pPr marL="3537814" indent="-272140" algn="l" defTabSz="1088558" rtl="0" eaLnBrk="1" latinLnBrk="1" hangingPunct="1">
+                <a:spcBef>
+                  <a:spcPct val="20000"/>
+                </a:spcBef>
+                <a:buFont typeface="Arial" pitchFamily="34" charset="0"/>
+                <a:buChar char="•"/>
+                <a:defRPr sz="2400" kern="1200">
+                  <a:solidFill>
+                    <a:schemeClr val="tx1"/>
+                  </a:solidFill>
+                  <a:latin typeface="+mn-lt"/>
+                  <a:ea typeface="+mn-ea"/>
+                  <a:cs typeface="+mn-cs"/>
+                </a:defRPr>
+              </a:lvl7pPr>
+              <a:lvl8pPr marL="4082093" indent="-272140" algn="l" defTabSz="1088558" rtl="0" eaLnBrk="1" latinLnBrk="1" hangingPunct="1">
+                <a:spcBef>
+                  <a:spcPct val="20000"/>
+                </a:spcBef>
+                <a:buFont typeface="Arial" pitchFamily="34" charset="0"/>
+                <a:buChar char="•"/>
+                <a:defRPr sz="2400" kern="1200">
+                  <a:solidFill>
+                    <a:schemeClr val="tx1"/>
+                  </a:solidFill>
+                  <a:latin typeface="+mn-lt"/>
+                  <a:ea typeface="+mn-ea"/>
+                  <a:cs typeface="+mn-cs"/>
+                </a:defRPr>
+              </a:lvl8pPr>
+              <a:lvl9pPr marL="4626373" indent="-272140" algn="l" defTabSz="1088558" rtl="0" eaLnBrk="1" latinLnBrk="1" hangingPunct="1">
+                <a:spcBef>
+                  <a:spcPct val="20000"/>
+                </a:spcBef>
+                <a:buFont typeface="Arial" pitchFamily="34" charset="0"/>
+                <a:buChar char="•"/>
+                <a:defRPr sz="2400" kern="1200">
+                  <a:solidFill>
+                    <a:schemeClr val="tx1"/>
+                  </a:solidFill>
+                  <a:latin typeface="+mn-lt"/>
+                  <a:ea typeface="+mn-ea"/>
+                  <a:cs typeface="+mn-cs"/>
+                </a:defRPr>
+              </a:lvl9pPr>
+            </a:lstStyle>
+            <a:p>
+              <a:pPr algn="r"/>
+              <a:r>
+                <a:rPr lang="ko-KR" altLang="en-US" sz="1000" dirty="0">
+                  <a:latin typeface="KoPub돋움체 Medium" panose="02020603020101020101" pitchFamily="18" charset="-127"/>
+                  <a:ea typeface="KoPub돋움체 Medium" panose="02020603020101020101" pitchFamily="18" charset="-127"/>
+                </a:rPr>
+                <a:t>거치대 수 가 많다고 대여가 많은 것은 아니다</a:t>
+              </a:r>
+              <a:endParaRPr lang="en-US" altLang="ko-KR" sz="1000" dirty="0">
                 <a:latin typeface="KoPub돋움체 Medium" panose="02020603020101020101" pitchFamily="18" charset="-127"/>
                 <a:ea typeface="KoPub돋움체 Medium" panose="02020603020101020101" pitchFamily="18" charset="-127"/>
-              </a:rPr>
-              <a:t> 것을 알 수 있다</a:t>
-            </a:r>
-            <a:r>
-              <a:rPr lang="en-US" altLang="ko-KR" sz="1000" dirty="0">
-                <a:latin typeface="KoPub돋움체 Medium" panose="02020603020101020101" pitchFamily="18" charset="-127"/>
-                <a:ea typeface="KoPub돋움체 Medium" panose="02020603020101020101" pitchFamily="18" charset="-127"/>
-              </a:rPr>
-              <a:t>.</a:t>
-            </a:r>
-          </a:p>
-        </p:txBody>
-      </p:sp>
-      <p:sp>
-        <p:nvSpPr>
-          <p:cNvPr id="5" name="텍스트 개체 틀 1">
-            <a:extLst>
-              <a:ext uri="{FF2B5EF4-FFF2-40B4-BE49-F238E27FC236}">
-                <a16:creationId xmlns:a16="http://schemas.microsoft.com/office/drawing/2014/main" id="{453573C8-7DB7-420F-9A88-51E51CC72485}"/>
-              </a:ext>
-            </a:extLst>
-          </p:cNvPr>
-          <p:cNvSpPr txBox="1">
-            <a:spLocks/>
-          </p:cNvSpPr>
-          <p:nvPr/>
-        </p:nvSpPr>
-        <p:spPr bwMode="black">
-          <a:xfrm>
-            <a:off x="8032165" y="3977681"/>
-            <a:ext cx="3528392" cy="144016"/>
-          </a:xfrm>
-          <a:prstGeom prst="rect">
-            <a:avLst/>
-          </a:prstGeom>
-        </p:spPr>
-        <p:txBody>
-          <a:bodyPr vert="horz" lIns="0" tIns="0" rIns="0" bIns="0" rtlCol="0">
-            <a:normAutofit lnSpcReduction="10000"/>
-          </a:bodyPr>
-          <a:lstStyle>
-            <a:lvl1pPr marL="0" marR="0" indent="0" algn="l" defTabSz="1088558" rtl="0" eaLnBrk="1" fontAlgn="auto" latinLnBrk="0" hangingPunct="1">
-              <a:lnSpc>
-                <a:spcPct val="100000"/>
-              </a:lnSpc>
-              <a:spcBef>
-                <a:spcPts val="3000"/>
-              </a:spcBef>
-              <a:spcAft>
-                <a:spcPts val="0"/>
-              </a:spcAft>
-              <a:buClr>
-                <a:schemeClr val="accent1"/>
-              </a:buClr>
-              <a:buSzPct val="80000"/>
-              <a:buFontTx/>
-              <a:buNone/>
-              <a:tabLst/>
-              <a:defRPr sz="2000" b="0" kern="1200">
-                <a:solidFill>
-                  <a:schemeClr val="tx1"/>
-                </a:solidFill>
-                <a:latin typeface="+mn-lt"/>
-                <a:ea typeface="+mn-ea"/>
-                <a:cs typeface="+mn-cs"/>
-              </a:defRPr>
-            </a:lvl1pPr>
-            <a:lvl2pPr marL="179964" marR="0" indent="-179964" algn="l" defTabSz="1088558" rtl="0" eaLnBrk="1" fontAlgn="auto" latinLnBrk="0" hangingPunct="1">
-              <a:lnSpc>
-                <a:spcPct val="100000"/>
-              </a:lnSpc>
-              <a:spcBef>
-                <a:spcPts val="600"/>
-              </a:spcBef>
-              <a:spcAft>
-                <a:spcPts val="0"/>
-              </a:spcAft>
-              <a:buClr>
-                <a:schemeClr val="accent1"/>
-              </a:buClr>
-              <a:buSzPct val="100000"/>
-              <a:buFont typeface="Wingdings" panose="05000000000000000000" pitchFamily="2" charset="2"/>
-              <a:buChar char="§"/>
-              <a:tabLst/>
-              <a:defRPr sz="1800" kern="1200">
-                <a:solidFill>
-                  <a:schemeClr val="tx1"/>
-                </a:solidFill>
-                <a:latin typeface="+mn-lt"/>
-                <a:ea typeface="+mn-ea"/>
-                <a:cs typeface="+mn-cs"/>
-              </a:defRPr>
-            </a:lvl2pPr>
-            <a:lvl3pPr marL="359928" marR="0" indent="-179352" algn="l" defTabSz="1088558" rtl="0" eaLnBrk="1" fontAlgn="auto" latinLnBrk="0" hangingPunct="1">
-              <a:lnSpc>
-                <a:spcPct val="100000"/>
-              </a:lnSpc>
-              <a:spcBef>
-                <a:spcPts val="400"/>
-              </a:spcBef>
-              <a:spcAft>
-                <a:spcPts val="0"/>
-              </a:spcAft>
-              <a:buClr>
-                <a:schemeClr val="tx1"/>
-              </a:buClr>
-              <a:buSzPct val="100000"/>
-              <a:buFont typeface="Arial" pitchFamily="34" charset="0"/>
-              <a:buChar char="–"/>
-              <a:tabLst/>
-              <a:defRPr lang="en-US" sz="1800" kern="1200" baseline="0" noProof="0">
-                <a:solidFill>
-                  <a:schemeClr val="tx1"/>
-                </a:solidFill>
-                <a:latin typeface="+mn-lt"/>
-                <a:ea typeface="+mn-ea"/>
-                <a:cs typeface="+mn-cs"/>
-              </a:defRPr>
-            </a:lvl3pPr>
-            <a:lvl4pPr marL="539892" marR="0" indent="-179964" algn="l" defTabSz="1088558" rtl="0" eaLnBrk="1" fontAlgn="auto" latinLnBrk="0" hangingPunct="1">
-              <a:lnSpc>
-                <a:spcPct val="100000"/>
-              </a:lnSpc>
-              <a:spcBef>
-                <a:spcPts val="250"/>
-              </a:spcBef>
-              <a:spcAft>
-                <a:spcPts val="0"/>
-              </a:spcAft>
-              <a:buClr>
-                <a:schemeClr val="tx1"/>
-              </a:buClr>
-              <a:buSzPct val="100000"/>
-              <a:buFont typeface="Courier New" pitchFamily="49" charset="0"/>
-              <a:buChar char="o"/>
-              <a:tabLst/>
-              <a:defRPr sz="1600" kern="1200">
-                <a:solidFill>
-                  <a:schemeClr val="tx1"/>
-                </a:solidFill>
-                <a:latin typeface="+mn-lt"/>
-                <a:ea typeface="+mn-ea"/>
-                <a:cs typeface="+mn-cs"/>
-              </a:defRPr>
-            </a:lvl4pPr>
-            <a:lvl5pPr marL="719856" indent="-179964" algn="l" defTabSz="1088558" rtl="0" eaLnBrk="1" latinLnBrk="1" hangingPunct="1">
-              <a:spcBef>
-                <a:spcPts val="100"/>
-              </a:spcBef>
-              <a:buClr>
-                <a:schemeClr val="accent2"/>
-              </a:buClr>
-              <a:buSzPct val="100000"/>
-              <a:buFont typeface="Arial" pitchFamily="34" charset="0"/>
-              <a:buChar char="–"/>
-              <a:defRPr sz="1400" kern="1200" baseline="0">
-                <a:solidFill>
-                  <a:schemeClr val="tx1"/>
-                </a:solidFill>
-                <a:latin typeface="+mn-lt"/>
-                <a:ea typeface="+mn-ea"/>
-                <a:cs typeface="+mn-cs"/>
-              </a:defRPr>
-            </a:lvl5pPr>
-            <a:lvl6pPr marL="2993535" indent="-272140" algn="l" defTabSz="1088558" rtl="0" eaLnBrk="1" latinLnBrk="1" hangingPunct="1">
-              <a:spcBef>
-                <a:spcPct val="20000"/>
-              </a:spcBef>
-              <a:buFont typeface="Arial" pitchFamily="34" charset="0"/>
-              <a:buChar char="•"/>
-              <a:defRPr sz="2400" kern="1200">
-                <a:solidFill>
-                  <a:schemeClr val="tx1"/>
-                </a:solidFill>
-                <a:latin typeface="+mn-lt"/>
-                <a:ea typeface="+mn-ea"/>
-                <a:cs typeface="+mn-cs"/>
-              </a:defRPr>
-            </a:lvl6pPr>
-            <a:lvl7pPr marL="3537814" indent="-272140" algn="l" defTabSz="1088558" rtl="0" eaLnBrk="1" latinLnBrk="1" hangingPunct="1">
-              <a:spcBef>
-                <a:spcPct val="20000"/>
-              </a:spcBef>
-              <a:buFont typeface="Arial" pitchFamily="34" charset="0"/>
-              <a:buChar char="•"/>
-              <a:defRPr sz="2400" kern="1200">
-                <a:solidFill>
-                  <a:schemeClr val="tx1"/>
-                </a:solidFill>
-                <a:latin typeface="+mn-lt"/>
-                <a:ea typeface="+mn-ea"/>
-                <a:cs typeface="+mn-cs"/>
-              </a:defRPr>
-            </a:lvl7pPr>
-            <a:lvl8pPr marL="4082093" indent="-272140" algn="l" defTabSz="1088558" rtl="0" eaLnBrk="1" latinLnBrk="1" hangingPunct="1">
-              <a:spcBef>
-                <a:spcPct val="20000"/>
-              </a:spcBef>
-              <a:buFont typeface="Arial" pitchFamily="34" charset="0"/>
-              <a:buChar char="•"/>
-              <a:defRPr sz="2400" kern="1200">
-                <a:solidFill>
-                  <a:schemeClr val="tx1"/>
-                </a:solidFill>
-                <a:latin typeface="+mn-lt"/>
-                <a:ea typeface="+mn-ea"/>
-                <a:cs typeface="+mn-cs"/>
-              </a:defRPr>
-            </a:lvl8pPr>
-            <a:lvl9pPr marL="4626373" indent="-272140" algn="l" defTabSz="1088558" rtl="0" eaLnBrk="1" latinLnBrk="1" hangingPunct="1">
-              <a:spcBef>
-                <a:spcPct val="20000"/>
-              </a:spcBef>
-              <a:buFont typeface="Arial" pitchFamily="34" charset="0"/>
-              <a:buChar char="•"/>
-              <a:defRPr sz="2400" kern="1200">
-                <a:solidFill>
-                  <a:schemeClr val="tx1"/>
-                </a:solidFill>
-                <a:latin typeface="+mn-lt"/>
-                <a:ea typeface="+mn-ea"/>
-                <a:cs typeface="+mn-cs"/>
-              </a:defRPr>
-            </a:lvl9pPr>
-          </a:lstStyle>
-          <a:p>
-            <a:pPr algn="r"/>
-            <a:r>
-              <a:rPr lang="ko-KR" altLang="en-US" sz="1000" dirty="0" err="1">
-                <a:latin typeface="KoPub돋움체 Medium" panose="02020603020101020101" pitchFamily="18" charset="-127"/>
-                <a:ea typeface="KoPub돋움체 Medium" panose="02020603020101020101" pitchFamily="18" charset="-127"/>
-              </a:rPr>
-              <a:t>따릉이</a:t>
-            </a:r>
-            <a:r>
-              <a:rPr lang="ko-KR" altLang="en-US" sz="1000" dirty="0">
-                <a:latin typeface="KoPub돋움체 Medium" panose="02020603020101020101" pitchFamily="18" charset="-127"/>
-                <a:ea typeface="KoPub돋움체 Medium" panose="02020603020101020101" pitchFamily="18" charset="-127"/>
-              </a:rPr>
-              <a:t> 이용은 주로 </a:t>
-            </a:r>
-            <a:r>
-              <a:rPr lang="en-US" altLang="ko-KR" sz="1000" dirty="0">
-                <a:latin typeface="KoPub돋움체 Medium" panose="02020603020101020101" pitchFamily="18" charset="-127"/>
-                <a:ea typeface="KoPub돋움체 Medium" panose="02020603020101020101" pitchFamily="18" charset="-127"/>
-              </a:rPr>
-              <a:t>9,10</a:t>
-            </a:r>
-            <a:r>
-              <a:rPr lang="ko-KR" altLang="en-US" sz="1000" dirty="0">
-                <a:latin typeface="KoPub돋움체 Medium" panose="02020603020101020101" pitchFamily="18" charset="-127"/>
-                <a:ea typeface="KoPub돋움체 Medium" panose="02020603020101020101" pitchFamily="18" charset="-127"/>
-              </a:rPr>
-              <a:t>월 이 주로  높다</a:t>
-            </a:r>
-            <a:endParaRPr lang="en-US" altLang="ko-KR" sz="1000" dirty="0">
-              <a:latin typeface="KoPub돋움체 Medium" panose="02020603020101020101" pitchFamily="18" charset="-127"/>
-              <a:ea typeface="KoPub돋움체 Medium" panose="02020603020101020101" pitchFamily="18" charset="-127"/>
-            </a:endParaRPr>
-          </a:p>
-        </p:txBody>
-      </p:sp>
-      <p:sp>
-        <p:nvSpPr>
-          <p:cNvPr id="4" name="텍스트 개체 틀 1">
-            <a:extLst>
-              <a:ext uri="{FF2B5EF4-FFF2-40B4-BE49-F238E27FC236}">
-                <a16:creationId xmlns:a16="http://schemas.microsoft.com/office/drawing/2014/main" id="{8184CB8E-F6E5-45BD-9461-EF157E90ABFC}"/>
-              </a:ext>
-            </a:extLst>
-          </p:cNvPr>
-          <p:cNvSpPr txBox="1">
-            <a:spLocks/>
-          </p:cNvSpPr>
-          <p:nvPr/>
-        </p:nvSpPr>
-        <p:spPr bwMode="black">
-          <a:xfrm>
-            <a:off x="7969795" y="3689649"/>
-            <a:ext cx="3528392" cy="144016"/>
-          </a:xfrm>
-          <a:prstGeom prst="rect">
-            <a:avLst/>
-          </a:prstGeom>
-        </p:spPr>
-        <p:txBody>
-          <a:bodyPr vert="horz" lIns="0" tIns="0" rIns="0" bIns="0" rtlCol="0">
-            <a:normAutofit lnSpcReduction="10000"/>
-          </a:bodyPr>
-          <a:lstStyle>
-            <a:lvl1pPr marL="0" marR="0" indent="0" algn="l" defTabSz="1088558" rtl="0" eaLnBrk="1" fontAlgn="auto" latinLnBrk="0" hangingPunct="1">
-              <a:lnSpc>
-                <a:spcPct val="100000"/>
-              </a:lnSpc>
-              <a:spcBef>
-                <a:spcPts val="3000"/>
-              </a:spcBef>
-              <a:spcAft>
-                <a:spcPts val="0"/>
-              </a:spcAft>
-              <a:buClr>
-                <a:schemeClr val="accent1"/>
-              </a:buClr>
-              <a:buSzPct val="80000"/>
-              <a:buFontTx/>
-              <a:buNone/>
-              <a:tabLst/>
-              <a:defRPr sz="2000" b="0" kern="1200">
-                <a:solidFill>
-                  <a:schemeClr val="tx1"/>
-                </a:solidFill>
-                <a:latin typeface="+mn-lt"/>
-                <a:ea typeface="+mn-ea"/>
-                <a:cs typeface="+mn-cs"/>
-              </a:defRPr>
-            </a:lvl1pPr>
-            <a:lvl2pPr marL="179964" marR="0" indent="-179964" algn="l" defTabSz="1088558" rtl="0" eaLnBrk="1" fontAlgn="auto" latinLnBrk="0" hangingPunct="1">
-              <a:lnSpc>
-                <a:spcPct val="100000"/>
-              </a:lnSpc>
-              <a:spcBef>
-                <a:spcPts val="600"/>
-              </a:spcBef>
-              <a:spcAft>
-                <a:spcPts val="0"/>
-              </a:spcAft>
-              <a:buClr>
-                <a:schemeClr val="accent1"/>
-              </a:buClr>
-              <a:buSzPct val="100000"/>
-              <a:buFont typeface="Wingdings" panose="05000000000000000000" pitchFamily="2" charset="2"/>
-              <a:buChar char="§"/>
-              <a:tabLst/>
-              <a:defRPr sz="1800" kern="1200">
-                <a:solidFill>
-                  <a:schemeClr val="tx1"/>
-                </a:solidFill>
-                <a:latin typeface="+mn-lt"/>
-                <a:ea typeface="+mn-ea"/>
-                <a:cs typeface="+mn-cs"/>
-              </a:defRPr>
-            </a:lvl2pPr>
-            <a:lvl3pPr marL="359928" marR="0" indent="-179352" algn="l" defTabSz="1088558" rtl="0" eaLnBrk="1" fontAlgn="auto" latinLnBrk="0" hangingPunct="1">
-              <a:lnSpc>
-                <a:spcPct val="100000"/>
-              </a:lnSpc>
-              <a:spcBef>
-                <a:spcPts val="400"/>
-              </a:spcBef>
-              <a:spcAft>
-                <a:spcPts val="0"/>
-              </a:spcAft>
-              <a:buClr>
-                <a:schemeClr val="tx1"/>
-              </a:buClr>
-              <a:buSzPct val="100000"/>
-              <a:buFont typeface="Arial" pitchFamily="34" charset="0"/>
-              <a:buChar char="–"/>
-              <a:tabLst/>
-              <a:defRPr lang="en-US" sz="1800" kern="1200" baseline="0" noProof="0">
-                <a:solidFill>
-                  <a:schemeClr val="tx1"/>
-                </a:solidFill>
-                <a:latin typeface="+mn-lt"/>
-                <a:ea typeface="+mn-ea"/>
-                <a:cs typeface="+mn-cs"/>
-              </a:defRPr>
-            </a:lvl3pPr>
-            <a:lvl4pPr marL="539892" marR="0" indent="-179964" algn="l" defTabSz="1088558" rtl="0" eaLnBrk="1" fontAlgn="auto" latinLnBrk="0" hangingPunct="1">
-              <a:lnSpc>
-                <a:spcPct val="100000"/>
-              </a:lnSpc>
-              <a:spcBef>
-                <a:spcPts val="250"/>
-              </a:spcBef>
-              <a:spcAft>
-                <a:spcPts val="0"/>
-              </a:spcAft>
-              <a:buClr>
-                <a:schemeClr val="tx1"/>
-              </a:buClr>
-              <a:buSzPct val="100000"/>
-              <a:buFont typeface="Courier New" pitchFamily="49" charset="0"/>
-              <a:buChar char="o"/>
-              <a:tabLst/>
-              <a:defRPr sz="1600" kern="1200">
-                <a:solidFill>
-                  <a:schemeClr val="tx1"/>
-                </a:solidFill>
-                <a:latin typeface="+mn-lt"/>
-                <a:ea typeface="+mn-ea"/>
-                <a:cs typeface="+mn-cs"/>
-              </a:defRPr>
-            </a:lvl4pPr>
-            <a:lvl5pPr marL="719856" indent="-179964" algn="l" defTabSz="1088558" rtl="0" eaLnBrk="1" latinLnBrk="1" hangingPunct="1">
-              <a:spcBef>
-                <a:spcPts val="100"/>
-              </a:spcBef>
-              <a:buClr>
-                <a:schemeClr val="accent2"/>
-              </a:buClr>
-              <a:buSzPct val="100000"/>
-              <a:buFont typeface="Arial" pitchFamily="34" charset="0"/>
-              <a:buChar char="–"/>
-              <a:defRPr sz="1400" kern="1200" baseline="0">
-                <a:solidFill>
-                  <a:schemeClr val="tx1"/>
-                </a:solidFill>
-                <a:latin typeface="+mn-lt"/>
-                <a:ea typeface="+mn-ea"/>
-                <a:cs typeface="+mn-cs"/>
-              </a:defRPr>
-            </a:lvl5pPr>
-            <a:lvl6pPr marL="2993535" indent="-272140" algn="l" defTabSz="1088558" rtl="0" eaLnBrk="1" latinLnBrk="1" hangingPunct="1">
-              <a:spcBef>
-                <a:spcPct val="20000"/>
-              </a:spcBef>
-              <a:buFont typeface="Arial" pitchFamily="34" charset="0"/>
-              <a:buChar char="•"/>
-              <a:defRPr sz="2400" kern="1200">
-                <a:solidFill>
-                  <a:schemeClr val="tx1"/>
-                </a:solidFill>
-                <a:latin typeface="+mn-lt"/>
-                <a:ea typeface="+mn-ea"/>
-                <a:cs typeface="+mn-cs"/>
-              </a:defRPr>
-            </a:lvl6pPr>
-            <a:lvl7pPr marL="3537814" indent="-272140" algn="l" defTabSz="1088558" rtl="0" eaLnBrk="1" latinLnBrk="1" hangingPunct="1">
-              <a:spcBef>
-                <a:spcPct val="20000"/>
-              </a:spcBef>
-              <a:buFont typeface="Arial" pitchFamily="34" charset="0"/>
-              <a:buChar char="•"/>
-              <a:defRPr sz="2400" kern="1200">
-                <a:solidFill>
-                  <a:schemeClr val="tx1"/>
-                </a:solidFill>
-                <a:latin typeface="+mn-lt"/>
-                <a:ea typeface="+mn-ea"/>
-                <a:cs typeface="+mn-cs"/>
-              </a:defRPr>
-            </a:lvl7pPr>
-            <a:lvl8pPr marL="4082093" indent="-272140" algn="l" defTabSz="1088558" rtl="0" eaLnBrk="1" latinLnBrk="1" hangingPunct="1">
-              <a:spcBef>
-                <a:spcPct val="20000"/>
-              </a:spcBef>
-              <a:buFont typeface="Arial" pitchFamily="34" charset="0"/>
-              <a:buChar char="•"/>
-              <a:defRPr sz="2400" kern="1200">
-                <a:solidFill>
-                  <a:schemeClr val="tx1"/>
-                </a:solidFill>
-                <a:latin typeface="+mn-lt"/>
-                <a:ea typeface="+mn-ea"/>
-                <a:cs typeface="+mn-cs"/>
-              </a:defRPr>
-            </a:lvl8pPr>
-            <a:lvl9pPr marL="4626373" indent="-272140" algn="l" defTabSz="1088558" rtl="0" eaLnBrk="1" latinLnBrk="1" hangingPunct="1">
-              <a:spcBef>
-                <a:spcPct val="20000"/>
-              </a:spcBef>
-              <a:buFont typeface="Arial" pitchFamily="34" charset="0"/>
-              <a:buChar char="•"/>
-              <a:defRPr sz="2400" kern="1200">
-                <a:solidFill>
-                  <a:schemeClr val="tx1"/>
-                </a:solidFill>
-                <a:latin typeface="+mn-lt"/>
-                <a:ea typeface="+mn-ea"/>
-                <a:cs typeface="+mn-cs"/>
-              </a:defRPr>
-            </a:lvl9pPr>
-          </a:lstStyle>
-          <a:p>
-            <a:pPr algn="r"/>
-            <a:r>
-              <a:rPr lang="ko-KR" altLang="en-US" sz="1000">
-                <a:latin typeface="KoPub돋움체 Medium" panose="02020603020101020101" pitchFamily="18" charset="-127"/>
-                <a:ea typeface="KoPub돋움체 Medium" panose="02020603020101020101" pitchFamily="18" charset="-127"/>
-              </a:rPr>
-              <a:t>거치대 수 가 많다고 대여가 많은 것은 아니다</a:t>
-            </a:r>
-            <a:endParaRPr lang="en-US" altLang="ko-KR" sz="1000" dirty="0">
-              <a:latin typeface="KoPub돋움체 Medium" panose="02020603020101020101" pitchFamily="18" charset="-127"/>
-              <a:ea typeface="KoPub돋움체 Medium" panose="02020603020101020101" pitchFamily="18" charset="-127"/>
-            </a:endParaRPr>
-          </a:p>
-        </p:txBody>
-      </p:sp>
+              </a:endParaRPr>
+            </a:p>
+          </p:txBody>
+        </p:sp>
+      </p:grpSp>
     </p:spTree>
     <p:extLst>
       <p:ext uri="{BB962C8B-B14F-4D97-AF65-F5344CB8AC3E}">
@@ -10222,12 +10233,17 @@
         </p:blipFill>
         <p:spPr>
           <a:xfrm>
-            <a:off x="3429000" y="1619250"/>
-            <a:ext cx="7790532" cy="4412682"/>
+            <a:off x="4369394" y="1619250"/>
+            <a:ext cx="6850137" cy="3880027"/>
           </a:xfrm>
           <a:prstGeom prst="rect">
             <a:avLst/>
           </a:prstGeom>
+          <a:ln>
+            <a:solidFill>
+              <a:schemeClr val="accent4"/>
+            </a:solidFill>
+          </a:ln>
         </p:spPr>
       </p:pic>
       <p:sp>
@@ -10244,19 +10260,23 @@
         </p:nvSpPr>
         <p:spPr bwMode="gray">
           <a:xfrm>
-            <a:off x="0" y="0"/>
-            <a:ext cx="3937347" cy="2132856"/>
+            <a:off x="1" y="0"/>
+            <a:ext cx="3937346" cy="2132856"/>
           </a:xfrm>
           <a:prstGeom prst="rect">
             <a:avLst/>
           </a:prstGeom>
           <a:solidFill>
-            <a:schemeClr val="accent1">
+            <a:schemeClr val="accent4">
+              <a:lumMod val="20000"/>
+              <a:lumOff val="80000"/>
               <a:alpha val="50000"/>
             </a:schemeClr>
           </a:solidFill>
           <a:ln>
-            <a:noFill/>
+            <a:solidFill>
+              <a:schemeClr val="accent4"/>
+            </a:solidFill>
           </a:ln>
         </p:spPr>
         <p:style>
@@ -10322,12 +10342,18 @@
         </p:nvSpPr>
         <p:spPr bwMode="black">
           <a:xfrm>
-            <a:off x="8041803" y="3833665"/>
-            <a:ext cx="3528392" cy="144016"/>
+            <a:off x="9310667" y="5589240"/>
+            <a:ext cx="1908864" cy="144016"/>
           </a:xfrm>
           <a:prstGeom prst="rect">
             <a:avLst/>
           </a:prstGeom>
+          <a:solidFill>
+            <a:schemeClr val="accent4">
+              <a:lumMod val="20000"/>
+              <a:lumOff val="80000"/>
+            </a:schemeClr>
+          </a:solidFill>
         </p:spPr>
         <p:txBody>
           <a:bodyPr vert="horz" lIns="0" tIns="0" rIns="0" bIns="0" rtlCol="0">
@@ -10534,6 +10560,99 @@
           </a:p>
         </p:txBody>
       </p:sp>
+      <p:cxnSp>
+        <p:nvCxnSpPr>
+          <p:cNvPr id="7" name="직선 연결선 6">
+            <a:extLst>
+              <a:ext uri="{FF2B5EF4-FFF2-40B4-BE49-F238E27FC236}">
+                <a16:creationId xmlns:a16="http://schemas.microsoft.com/office/drawing/2014/main" id="{EF4BD85C-69E4-4D51-BBB3-59F10E34CC70}"/>
+              </a:ext>
+            </a:extLst>
+          </p:cNvPr>
+          <p:cNvCxnSpPr>
+            <a:cxnSpLocks/>
+            <a:stCxn id="5" idx="2"/>
+          </p:cNvCxnSpPr>
+          <p:nvPr/>
+        </p:nvCxnSpPr>
+        <p:spPr>
+          <a:xfrm>
+            <a:off x="1968674" y="2132856"/>
+            <a:ext cx="2400719" cy="3366421"/>
+          </a:xfrm>
+          <a:prstGeom prst="line">
+            <a:avLst/>
+          </a:prstGeom>
+          <a:ln w="12700">
+            <a:solidFill>
+              <a:schemeClr val="accent4"/>
+            </a:solidFill>
+            <a:prstDash val="sysDash"/>
+            <a:headEnd type="none" w="med" len="med"/>
+            <a:tailEnd type="none" w="med" len="med"/>
+          </a:ln>
+        </p:spPr>
+        <p:style>
+          <a:lnRef idx="1">
+            <a:schemeClr val="accent1"/>
+          </a:lnRef>
+          <a:fillRef idx="0">
+            <a:schemeClr val="accent1"/>
+          </a:fillRef>
+          <a:effectRef idx="0">
+            <a:schemeClr val="accent1"/>
+          </a:effectRef>
+          <a:fontRef idx="minor">
+            <a:schemeClr val="tx1"/>
+          </a:fontRef>
+        </p:style>
+      </p:cxnSp>
+      <p:cxnSp>
+        <p:nvCxnSpPr>
+          <p:cNvPr id="12" name="직선 연결선 11">
+            <a:extLst>
+              <a:ext uri="{FF2B5EF4-FFF2-40B4-BE49-F238E27FC236}">
+                <a16:creationId xmlns:a16="http://schemas.microsoft.com/office/drawing/2014/main" id="{4D46A062-30D4-4C6D-A342-EA29F9DB14F6}"/>
+              </a:ext>
+            </a:extLst>
+          </p:cNvPr>
+          <p:cNvCxnSpPr>
+            <a:cxnSpLocks/>
+          </p:cNvCxnSpPr>
+          <p:nvPr/>
+        </p:nvCxnSpPr>
+        <p:spPr>
+          <a:xfrm>
+            <a:off x="3932753" y="-1384"/>
+            <a:ext cx="7286778" cy="1620634"/>
+          </a:xfrm>
+          <a:prstGeom prst="line">
+            <a:avLst/>
+          </a:prstGeom>
+          <a:ln w="12700">
+            <a:solidFill>
+              <a:schemeClr val="accent4"/>
+            </a:solidFill>
+            <a:prstDash val="sysDash"/>
+            <a:headEnd type="none" w="med" len="med"/>
+            <a:tailEnd type="none" w="med" len="med"/>
+          </a:ln>
+        </p:spPr>
+        <p:style>
+          <a:lnRef idx="1">
+            <a:schemeClr val="accent1"/>
+          </a:lnRef>
+          <a:fillRef idx="0">
+            <a:schemeClr val="accent1"/>
+          </a:fillRef>
+          <a:effectRef idx="0">
+            <a:schemeClr val="accent1"/>
+          </a:effectRef>
+          <a:fontRef idx="minor">
+            <a:schemeClr val="tx1"/>
+          </a:fontRef>
+        </p:style>
+      </p:cxnSp>
     </p:spTree>
     <p:extLst>
       <p:ext uri="{BB962C8B-B14F-4D97-AF65-F5344CB8AC3E}">
@@ -10657,82 +10776,6 @@
           </a:p>
         </p:txBody>
       </p:sp>
-      <p:sp>
-        <p:nvSpPr>
-          <p:cNvPr id="5" name="직사각형 4">
-            <a:extLst>
-              <a:ext uri="{FF2B5EF4-FFF2-40B4-BE49-F238E27FC236}">
-                <a16:creationId xmlns:a16="http://schemas.microsoft.com/office/drawing/2014/main" id="{F9673709-9A42-4574-94A6-D933114524A7}"/>
-              </a:ext>
-            </a:extLst>
-          </p:cNvPr>
-          <p:cNvSpPr/>
-          <p:nvPr/>
-        </p:nvSpPr>
-        <p:spPr bwMode="gray">
-          <a:xfrm>
-            <a:off x="3937347" y="0"/>
-            <a:ext cx="3937347" cy="2132856"/>
-          </a:xfrm>
-          <a:prstGeom prst="rect">
-            <a:avLst/>
-          </a:prstGeom>
-          <a:solidFill>
-            <a:schemeClr val="accent1">
-              <a:alpha val="50000"/>
-            </a:schemeClr>
-          </a:solidFill>
-          <a:ln>
-            <a:noFill/>
-          </a:ln>
-        </p:spPr>
-        <p:style>
-          <a:lnRef idx="0">
-            <a:scrgbClr r="0" g="0" b="0"/>
-          </a:lnRef>
-          <a:fillRef idx="0">
-            <a:scrgbClr r="0" g="0" b="0"/>
-          </a:fillRef>
-          <a:effectRef idx="0">
-            <a:scrgbClr r="0" g="0" b="0"/>
-          </a:effectRef>
-          <a:fontRef idx="minor">
-            <a:schemeClr val="lt1"/>
-          </a:fontRef>
-        </p:style>
-        <p:txBody>
-          <a:bodyPr lIns="90000" tIns="72000" rIns="90000" bIns="72000" rtlCol="0" anchor="ctr"/>
-          <a:lstStyle/>
-          <a:p>
-            <a:pPr marR="0" algn="ctr" defTabSz="914400" eaLnBrk="1" fontAlgn="base" latinLnBrk="0" hangingPunct="1">
-              <a:lnSpc>
-                <a:spcPct val="100000"/>
-              </a:lnSpc>
-              <a:spcBef>
-                <a:spcPct val="50000"/>
-              </a:spcBef>
-              <a:spcAft>
-                <a:spcPct val="0"/>
-              </a:spcAft>
-              <a:buClr>
-                <a:srgbClr val="F0AB00"/>
-              </a:buClr>
-              <a:buSzPct val="80000"/>
-              <a:tabLst/>
-            </a:pPr>
-            <a:endParaRPr kumimoji="0" lang="ko-KR" altLang="en-US" sz="1000" b="0" i="0" u="none" strike="noStrike" kern="0" cap="none" spc="0" normalizeH="0" baseline="0" noProof="0" dirty="0" err="1">
-              <a:ln>
-                <a:noFill/>
-              </a:ln>
-              <a:effectLst/>
-              <a:uLnTx/>
-              <a:uFillTx/>
-              <a:ea typeface="Arial Unicode MS" pitchFamily="34" charset="-128"/>
-              <a:cs typeface="Arial Unicode MS" pitchFamily="34" charset="-128"/>
-            </a:endParaRPr>
-          </a:p>
-        </p:txBody>
-      </p:sp>
       <p:pic>
         <p:nvPicPr>
           <p:cNvPr id="4" name="slide5" descr="구별 대여소 이름">
@@ -10767,6 +10810,11 @@
           <a:prstGeom prst="rect">
             <a:avLst/>
           </a:prstGeom>
+          <a:ln>
+            <a:solidFill>
+              <a:schemeClr val="accent4"/>
+            </a:solidFill>
+          </a:ln>
         </p:spPr>
       </p:pic>
       <p:sp>
@@ -10785,12 +10833,18 @@
         </p:nvSpPr>
         <p:spPr bwMode="black">
           <a:xfrm>
-            <a:off x="8113811" y="1547242"/>
-            <a:ext cx="3528392" cy="144016"/>
+            <a:off x="6956325" y="5684162"/>
+            <a:ext cx="4608512" cy="144016"/>
           </a:xfrm>
           <a:prstGeom prst="rect">
             <a:avLst/>
           </a:prstGeom>
+          <a:solidFill>
+            <a:schemeClr val="accent4">
+              <a:lumMod val="20000"/>
+              <a:lumOff val="80000"/>
+            </a:schemeClr>
+          </a:solidFill>
         </p:spPr>
         <p:txBody>
           <a:bodyPr vert="horz" lIns="0" tIns="0" rIns="0" bIns="0" rtlCol="0">
@@ -11025,6 +11079,178 @@
           </a:p>
         </p:txBody>
       </p:sp>
+      <p:sp>
+        <p:nvSpPr>
+          <p:cNvPr id="6" name="직사각형 5">
+            <a:extLst>
+              <a:ext uri="{FF2B5EF4-FFF2-40B4-BE49-F238E27FC236}">
+                <a16:creationId xmlns:a16="http://schemas.microsoft.com/office/drawing/2014/main" id="{B77932DB-22A5-41A5-AF65-EFE370C0FA9E}"/>
+              </a:ext>
+            </a:extLst>
+          </p:cNvPr>
+          <p:cNvSpPr/>
+          <p:nvPr/>
+        </p:nvSpPr>
+        <p:spPr bwMode="gray">
+          <a:xfrm>
+            <a:off x="3937347" y="-15629"/>
+            <a:ext cx="3937346" cy="2132856"/>
+          </a:xfrm>
+          <a:prstGeom prst="rect">
+            <a:avLst/>
+          </a:prstGeom>
+          <a:solidFill>
+            <a:schemeClr val="accent4">
+              <a:lumMod val="20000"/>
+              <a:lumOff val="80000"/>
+              <a:alpha val="50000"/>
+            </a:schemeClr>
+          </a:solidFill>
+          <a:ln>
+            <a:solidFill>
+              <a:schemeClr val="accent4"/>
+            </a:solidFill>
+          </a:ln>
+        </p:spPr>
+        <p:style>
+          <a:lnRef idx="0">
+            <a:scrgbClr r="0" g="0" b="0"/>
+          </a:lnRef>
+          <a:fillRef idx="0">
+            <a:scrgbClr r="0" g="0" b="0"/>
+          </a:fillRef>
+          <a:effectRef idx="0">
+            <a:scrgbClr r="0" g="0" b="0"/>
+          </a:effectRef>
+          <a:fontRef idx="minor">
+            <a:schemeClr val="lt1"/>
+          </a:fontRef>
+        </p:style>
+        <p:txBody>
+          <a:bodyPr lIns="90000" tIns="72000" rIns="90000" bIns="72000" rtlCol="0" anchor="ctr"/>
+          <a:lstStyle/>
+          <a:p>
+            <a:pPr marR="0" algn="ctr" defTabSz="914400" eaLnBrk="1" fontAlgn="base" latinLnBrk="0" hangingPunct="1">
+              <a:lnSpc>
+                <a:spcPct val="100000"/>
+              </a:lnSpc>
+              <a:spcBef>
+                <a:spcPct val="50000"/>
+              </a:spcBef>
+              <a:spcAft>
+                <a:spcPct val="0"/>
+              </a:spcAft>
+              <a:buClr>
+                <a:srgbClr val="F0AB00"/>
+              </a:buClr>
+              <a:buSzPct val="80000"/>
+              <a:tabLst/>
+            </a:pPr>
+            <a:endParaRPr kumimoji="0" lang="ko-KR" altLang="en-US" sz="1800" b="0" i="0" u="none" strike="noStrike" kern="0" cap="none" spc="0" normalizeH="0" baseline="0" noProof="0" dirty="0" err="1">
+              <a:ln>
+                <a:noFill/>
+              </a:ln>
+              <a:effectLst/>
+              <a:uLnTx/>
+              <a:uFillTx/>
+              <a:ea typeface="Arial Unicode MS" pitchFamily="34" charset="-128"/>
+              <a:cs typeface="Arial Unicode MS" pitchFamily="34" charset="-128"/>
+            </a:endParaRPr>
+          </a:p>
+        </p:txBody>
+      </p:sp>
+      <p:cxnSp>
+        <p:nvCxnSpPr>
+          <p:cNvPr id="9" name="직선 연결선 8">
+            <a:extLst>
+              <a:ext uri="{FF2B5EF4-FFF2-40B4-BE49-F238E27FC236}">
+                <a16:creationId xmlns:a16="http://schemas.microsoft.com/office/drawing/2014/main" id="{97EE099D-69B9-49E3-8552-18DB29801557}"/>
+              </a:ext>
+            </a:extLst>
+          </p:cNvPr>
+          <p:cNvCxnSpPr>
+            <a:cxnSpLocks/>
+          </p:cNvCxnSpPr>
+          <p:nvPr/>
+        </p:nvCxnSpPr>
+        <p:spPr>
+          <a:xfrm>
+            <a:off x="7874693" y="-15629"/>
+            <a:ext cx="3690144" cy="2220493"/>
+          </a:xfrm>
+          <a:prstGeom prst="line">
+            <a:avLst/>
+          </a:prstGeom>
+          <a:ln w="12700">
+            <a:solidFill>
+              <a:schemeClr val="accent4"/>
+            </a:solidFill>
+            <a:prstDash val="sysDash"/>
+            <a:headEnd type="none" w="med" len="med"/>
+            <a:tailEnd type="none" w="med" len="med"/>
+          </a:ln>
+        </p:spPr>
+        <p:style>
+          <a:lnRef idx="1">
+            <a:schemeClr val="accent1"/>
+          </a:lnRef>
+          <a:fillRef idx="0">
+            <a:schemeClr val="accent1"/>
+          </a:fillRef>
+          <a:effectRef idx="0">
+            <a:schemeClr val="accent1"/>
+          </a:effectRef>
+          <a:fontRef idx="minor">
+            <a:schemeClr val="tx1"/>
+          </a:fontRef>
+        </p:style>
+      </p:cxnSp>
+      <p:cxnSp>
+        <p:nvCxnSpPr>
+          <p:cNvPr id="12" name="직선 연결선 11">
+            <a:extLst>
+              <a:ext uri="{FF2B5EF4-FFF2-40B4-BE49-F238E27FC236}">
+                <a16:creationId xmlns:a16="http://schemas.microsoft.com/office/drawing/2014/main" id="{7116D714-99E0-4376-9D62-44872E363F43}"/>
+              </a:ext>
+            </a:extLst>
+          </p:cNvPr>
+          <p:cNvCxnSpPr>
+            <a:cxnSpLocks/>
+          </p:cNvCxnSpPr>
+          <p:nvPr/>
+        </p:nvCxnSpPr>
+        <p:spPr>
+          <a:xfrm>
+            <a:off x="3937347" y="2117227"/>
+            <a:ext cx="1589533" cy="3494926"/>
+          </a:xfrm>
+          <a:prstGeom prst="line">
+            <a:avLst/>
+          </a:prstGeom>
+          <a:ln w="12700">
+            <a:solidFill>
+              <a:schemeClr val="accent4"/>
+            </a:solidFill>
+            <a:prstDash val="sysDash"/>
+            <a:headEnd type="none" w="med" len="med"/>
+            <a:tailEnd type="none" w="med" len="med"/>
+          </a:ln>
+        </p:spPr>
+        <p:style>
+          <a:lnRef idx="1">
+            <a:schemeClr val="accent1"/>
+          </a:lnRef>
+          <a:fillRef idx="0">
+            <a:schemeClr val="accent1"/>
+          </a:fillRef>
+          <a:effectRef idx="0">
+            <a:schemeClr val="accent1"/>
+          </a:effectRef>
+          <a:fontRef idx="minor">
+            <a:schemeClr val="tx1"/>
+          </a:fontRef>
+        </p:style>
+      </p:cxnSp>
     </p:spTree>
     <p:extLst>
       <p:ext uri="{BB962C8B-B14F-4D97-AF65-F5344CB8AC3E}">
@@ -11148,82 +11374,6 @@
           </a:p>
         </p:txBody>
       </p:sp>
-      <p:sp>
-        <p:nvSpPr>
-          <p:cNvPr id="5" name="직사각형 4">
-            <a:extLst>
-              <a:ext uri="{FF2B5EF4-FFF2-40B4-BE49-F238E27FC236}">
-                <a16:creationId xmlns:a16="http://schemas.microsoft.com/office/drawing/2014/main" id="{F9673709-9A42-4574-94A6-D933114524A7}"/>
-              </a:ext>
-            </a:extLst>
-          </p:cNvPr>
-          <p:cNvSpPr/>
-          <p:nvPr/>
-        </p:nvSpPr>
-        <p:spPr bwMode="gray">
-          <a:xfrm>
-            <a:off x="336947" y="4293096"/>
-            <a:ext cx="1368152" cy="1152128"/>
-          </a:xfrm>
-          <a:prstGeom prst="rect">
-            <a:avLst/>
-          </a:prstGeom>
-          <a:solidFill>
-            <a:schemeClr val="accent1">
-              <a:alpha val="50000"/>
-            </a:schemeClr>
-          </a:solidFill>
-          <a:ln>
-            <a:noFill/>
-          </a:ln>
-        </p:spPr>
-        <p:style>
-          <a:lnRef idx="0">
-            <a:scrgbClr r="0" g="0" b="0"/>
-          </a:lnRef>
-          <a:fillRef idx="0">
-            <a:scrgbClr r="0" g="0" b="0"/>
-          </a:fillRef>
-          <a:effectRef idx="0">
-            <a:scrgbClr r="0" g="0" b="0"/>
-          </a:effectRef>
-          <a:fontRef idx="minor">
-            <a:schemeClr val="lt1"/>
-          </a:fontRef>
-        </p:style>
-        <p:txBody>
-          <a:bodyPr lIns="90000" tIns="72000" rIns="90000" bIns="72000" rtlCol="0" anchor="ctr"/>
-          <a:lstStyle/>
-          <a:p>
-            <a:pPr marR="0" algn="ctr" defTabSz="914400" eaLnBrk="1" fontAlgn="base" latinLnBrk="0" hangingPunct="1">
-              <a:lnSpc>
-                <a:spcPct val="100000"/>
-              </a:lnSpc>
-              <a:spcBef>
-                <a:spcPct val="50000"/>
-              </a:spcBef>
-              <a:spcAft>
-                <a:spcPct val="0"/>
-              </a:spcAft>
-              <a:buClr>
-                <a:srgbClr val="F0AB00"/>
-              </a:buClr>
-              <a:buSzPct val="80000"/>
-              <a:tabLst/>
-            </a:pPr>
-            <a:endParaRPr kumimoji="0" lang="ko-KR" altLang="en-US" sz="1000" b="0" i="0" u="none" strike="noStrike" kern="0" cap="none" spc="0" normalizeH="0" baseline="0" noProof="0" dirty="0" err="1">
-              <a:ln>
-                <a:noFill/>
-              </a:ln>
-              <a:effectLst/>
-              <a:uLnTx/>
-              <a:uFillTx/>
-              <a:ea typeface="Arial Unicode MS" pitchFamily="34" charset="-128"/>
-              <a:cs typeface="Arial Unicode MS" pitchFamily="34" charset="-128"/>
-            </a:endParaRPr>
-          </a:p>
-        </p:txBody>
-      </p:sp>
       <p:pic>
         <p:nvPicPr>
           <p:cNvPr id="3" name="slide7" descr="월별 이용현황">
@@ -11258,6 +11408,11 @@
           <a:prstGeom prst="rect">
             <a:avLst/>
           </a:prstGeom>
+          <a:ln>
+            <a:solidFill>
+              <a:schemeClr val="accent4"/>
+            </a:solidFill>
+          </a:ln>
         </p:spPr>
       </p:pic>
       <p:sp>
@@ -11276,12 +11431,18 @@
         </p:nvSpPr>
         <p:spPr bwMode="black">
           <a:xfrm>
-            <a:off x="7765674" y="1880828"/>
-            <a:ext cx="3960440" cy="648072"/>
+            <a:off x="6978923" y="6121481"/>
+            <a:ext cx="3960440" cy="180020"/>
           </a:xfrm>
           <a:prstGeom prst="rect">
             <a:avLst/>
           </a:prstGeom>
+          <a:solidFill>
+            <a:schemeClr val="accent4">
+              <a:lumMod val="20000"/>
+              <a:lumOff val="80000"/>
+            </a:schemeClr>
+          </a:solidFill>
         </p:spPr>
         <p:txBody>
           <a:bodyPr vert="horz" lIns="0" tIns="0" rIns="0" bIns="0" rtlCol="0">
@@ -11479,21 +11640,7 @@
                 <a:latin typeface="KoPub돋움체 Medium" panose="02020603020101020101" pitchFamily="18" charset="-127"/>
                 <a:ea typeface="KoPub돋움체 Medium" panose="02020603020101020101" pitchFamily="18" charset="-127"/>
               </a:rPr>
-              <a:t>해당 년도 별로 </a:t>
-            </a:r>
-            <a:r>
-              <a:rPr lang="ko-KR" altLang="en-US" sz="1000" dirty="0" err="1">
-                <a:latin typeface="KoPub돋움체 Medium" panose="02020603020101020101" pitchFamily="18" charset="-127"/>
-                <a:ea typeface="KoPub돋움체 Medium" panose="02020603020101020101" pitchFamily="18" charset="-127"/>
-              </a:rPr>
-              <a:t>필터링되어</a:t>
-            </a:r>
-            <a:r>
-              <a:rPr lang="ko-KR" altLang="en-US" sz="1000" dirty="0">
-                <a:latin typeface="KoPub돋움체 Medium" panose="02020603020101020101" pitchFamily="18" charset="-127"/>
-                <a:ea typeface="KoPub돋움체 Medium" panose="02020603020101020101" pitchFamily="18" charset="-127"/>
-              </a:rPr>
-              <a:t> 월별 이용 현황을 파이차트로 확인할 수 있다</a:t>
+              <a:t>해당 년도 별로 필터링 되어 월별 이용 현황을 파이차트로 확인할 수 있다</a:t>
             </a:r>
             <a:endParaRPr lang="en-US" altLang="ko-KR" sz="1000" dirty="0">
               <a:latin typeface="KoPub돋움체 Medium" panose="02020603020101020101" pitchFamily="18" charset="-127"/>
@@ -11502,6 +11649,178 @@
           </a:p>
         </p:txBody>
       </p:sp>
+      <p:cxnSp>
+        <p:nvCxnSpPr>
+          <p:cNvPr id="7" name="직선 연결선 6">
+            <a:extLst>
+              <a:ext uri="{FF2B5EF4-FFF2-40B4-BE49-F238E27FC236}">
+                <a16:creationId xmlns:a16="http://schemas.microsoft.com/office/drawing/2014/main" id="{A9F908E5-BC81-429B-BA25-237B61230D5B}"/>
+              </a:ext>
+            </a:extLst>
+          </p:cNvPr>
+          <p:cNvCxnSpPr>
+            <a:cxnSpLocks/>
+          </p:cNvCxnSpPr>
+          <p:nvPr/>
+        </p:nvCxnSpPr>
+        <p:spPr>
+          <a:xfrm>
+            <a:off x="1706200" y="5445225"/>
+            <a:ext cx="2375163" cy="647368"/>
+          </a:xfrm>
+          <a:prstGeom prst="line">
+            <a:avLst/>
+          </a:prstGeom>
+          <a:ln w="12700">
+            <a:solidFill>
+              <a:schemeClr val="accent4"/>
+            </a:solidFill>
+            <a:prstDash val="sysDash"/>
+            <a:headEnd type="none" w="med" len="med"/>
+            <a:tailEnd type="none" w="med" len="med"/>
+          </a:ln>
+        </p:spPr>
+        <p:style>
+          <a:lnRef idx="1">
+            <a:schemeClr val="accent1"/>
+          </a:lnRef>
+          <a:fillRef idx="0">
+            <a:schemeClr val="accent1"/>
+          </a:fillRef>
+          <a:effectRef idx="0">
+            <a:schemeClr val="accent1"/>
+          </a:effectRef>
+          <a:fontRef idx="minor">
+            <a:schemeClr val="tx1"/>
+          </a:fontRef>
+        </p:style>
+      </p:cxnSp>
+      <p:sp>
+        <p:nvSpPr>
+          <p:cNvPr id="6" name="직사각형 5">
+            <a:extLst>
+              <a:ext uri="{FF2B5EF4-FFF2-40B4-BE49-F238E27FC236}">
+                <a16:creationId xmlns:a16="http://schemas.microsoft.com/office/drawing/2014/main" id="{DBCDBF8A-CF82-4D10-B935-B66325CC45C3}"/>
+              </a:ext>
+            </a:extLst>
+          </p:cNvPr>
+          <p:cNvSpPr/>
+          <p:nvPr/>
+        </p:nvSpPr>
+        <p:spPr bwMode="gray">
+          <a:xfrm>
+            <a:off x="0" y="4293096"/>
+            <a:ext cx="1706200" cy="1152128"/>
+          </a:xfrm>
+          <a:prstGeom prst="rect">
+            <a:avLst/>
+          </a:prstGeom>
+          <a:solidFill>
+            <a:schemeClr val="accent4">
+              <a:lumMod val="20000"/>
+              <a:lumOff val="80000"/>
+              <a:alpha val="50000"/>
+            </a:schemeClr>
+          </a:solidFill>
+          <a:ln>
+            <a:solidFill>
+              <a:schemeClr val="accent4"/>
+            </a:solidFill>
+          </a:ln>
+        </p:spPr>
+        <p:style>
+          <a:lnRef idx="0">
+            <a:scrgbClr r="0" g="0" b="0"/>
+          </a:lnRef>
+          <a:fillRef idx="0">
+            <a:scrgbClr r="0" g="0" b="0"/>
+          </a:fillRef>
+          <a:effectRef idx="0">
+            <a:scrgbClr r="0" g="0" b="0"/>
+          </a:effectRef>
+          <a:fontRef idx="minor">
+            <a:schemeClr val="lt1"/>
+          </a:fontRef>
+        </p:style>
+        <p:txBody>
+          <a:bodyPr lIns="90000" tIns="72000" rIns="90000" bIns="72000" rtlCol="0" anchor="ctr"/>
+          <a:lstStyle/>
+          <a:p>
+            <a:pPr marR="0" algn="ctr" defTabSz="914400" eaLnBrk="1" fontAlgn="base" latinLnBrk="0" hangingPunct="1">
+              <a:lnSpc>
+                <a:spcPct val="100000"/>
+              </a:lnSpc>
+              <a:spcBef>
+                <a:spcPct val="50000"/>
+              </a:spcBef>
+              <a:spcAft>
+                <a:spcPct val="0"/>
+              </a:spcAft>
+              <a:buClr>
+                <a:srgbClr val="F0AB00"/>
+              </a:buClr>
+              <a:buSzPct val="80000"/>
+              <a:tabLst/>
+            </a:pPr>
+            <a:endParaRPr kumimoji="0" lang="ko-KR" altLang="en-US" sz="1800" b="0" i="0" u="none" strike="noStrike" kern="0" cap="none" spc="0" normalizeH="0" baseline="0" noProof="0" dirty="0" err="1">
+              <a:ln>
+                <a:noFill/>
+              </a:ln>
+              <a:effectLst/>
+              <a:uLnTx/>
+              <a:uFillTx/>
+              <a:ea typeface="Arial Unicode MS" pitchFamily="34" charset="-128"/>
+              <a:cs typeface="Arial Unicode MS" pitchFamily="34" charset="-128"/>
+            </a:endParaRPr>
+          </a:p>
+        </p:txBody>
+      </p:sp>
+      <p:cxnSp>
+        <p:nvCxnSpPr>
+          <p:cNvPr id="12" name="직선 연결선 11">
+            <a:extLst>
+              <a:ext uri="{FF2B5EF4-FFF2-40B4-BE49-F238E27FC236}">
+                <a16:creationId xmlns:a16="http://schemas.microsoft.com/office/drawing/2014/main" id="{528E7E57-709F-4147-9546-638CA0BE4F7B}"/>
+              </a:ext>
+            </a:extLst>
+          </p:cNvPr>
+          <p:cNvCxnSpPr>
+            <a:cxnSpLocks/>
+          </p:cNvCxnSpPr>
+          <p:nvPr/>
+        </p:nvCxnSpPr>
+        <p:spPr>
+          <a:xfrm flipV="1">
+            <a:off x="1706200" y="2204863"/>
+            <a:ext cx="2375163" cy="2088233"/>
+          </a:xfrm>
+          <a:prstGeom prst="line">
+            <a:avLst/>
+          </a:prstGeom>
+          <a:ln w="12700">
+            <a:solidFill>
+              <a:schemeClr val="accent4"/>
+            </a:solidFill>
+            <a:prstDash val="sysDash"/>
+            <a:headEnd type="none" w="med" len="med"/>
+            <a:tailEnd type="none" w="med" len="med"/>
+          </a:ln>
+        </p:spPr>
+        <p:style>
+          <a:lnRef idx="1">
+            <a:schemeClr val="accent1"/>
+          </a:lnRef>
+          <a:fillRef idx="0">
+            <a:schemeClr val="accent1"/>
+          </a:fillRef>
+          <a:effectRef idx="0">
+            <a:schemeClr val="accent1"/>
+          </a:effectRef>
+          <a:fontRef idx="minor">
+            <a:schemeClr val="tx1"/>
+          </a:fontRef>
+        </p:style>
+      </p:cxnSp>
     </p:spTree>
     <p:extLst>
       <p:ext uri="{BB962C8B-B14F-4D97-AF65-F5344CB8AC3E}">
@@ -11625,82 +11944,6 @@
           </a:p>
         </p:txBody>
       </p:sp>
-      <p:sp>
-        <p:nvSpPr>
-          <p:cNvPr id="5" name="직사각형 4">
-            <a:extLst>
-              <a:ext uri="{FF2B5EF4-FFF2-40B4-BE49-F238E27FC236}">
-                <a16:creationId xmlns:a16="http://schemas.microsoft.com/office/drawing/2014/main" id="{F9673709-9A42-4574-94A6-D933114524A7}"/>
-              </a:ext>
-            </a:extLst>
-          </p:cNvPr>
-          <p:cNvSpPr/>
-          <p:nvPr/>
-        </p:nvSpPr>
-        <p:spPr bwMode="gray">
-          <a:xfrm>
-            <a:off x="1561083" y="4293096"/>
-            <a:ext cx="1368152" cy="1152128"/>
-          </a:xfrm>
-          <a:prstGeom prst="rect">
-            <a:avLst/>
-          </a:prstGeom>
-          <a:solidFill>
-            <a:schemeClr val="accent1">
-              <a:alpha val="50000"/>
-            </a:schemeClr>
-          </a:solidFill>
-          <a:ln>
-            <a:noFill/>
-          </a:ln>
-        </p:spPr>
-        <p:style>
-          <a:lnRef idx="0">
-            <a:scrgbClr r="0" g="0" b="0"/>
-          </a:lnRef>
-          <a:fillRef idx="0">
-            <a:scrgbClr r="0" g="0" b="0"/>
-          </a:fillRef>
-          <a:effectRef idx="0">
-            <a:scrgbClr r="0" g="0" b="0"/>
-          </a:effectRef>
-          <a:fontRef idx="minor">
-            <a:schemeClr val="lt1"/>
-          </a:fontRef>
-        </p:style>
-        <p:txBody>
-          <a:bodyPr lIns="90000" tIns="72000" rIns="90000" bIns="72000" rtlCol="0" anchor="ctr"/>
-          <a:lstStyle/>
-          <a:p>
-            <a:pPr marR="0" algn="ctr" defTabSz="914400" eaLnBrk="1" fontAlgn="base" latinLnBrk="0" hangingPunct="1">
-              <a:lnSpc>
-                <a:spcPct val="100000"/>
-              </a:lnSpc>
-              <a:spcBef>
-                <a:spcPct val="50000"/>
-              </a:spcBef>
-              <a:spcAft>
-                <a:spcPct val="0"/>
-              </a:spcAft>
-              <a:buClr>
-                <a:srgbClr val="F0AB00"/>
-              </a:buClr>
-              <a:buSzPct val="80000"/>
-              <a:tabLst/>
-            </a:pPr>
-            <a:endParaRPr kumimoji="0" lang="ko-KR" altLang="en-US" sz="1800" b="0" i="0" u="none" strike="noStrike" kern="0" cap="none" spc="0" normalizeH="0" baseline="0" noProof="0" dirty="0" err="1">
-              <a:ln>
-                <a:noFill/>
-              </a:ln>
-              <a:effectLst/>
-              <a:uLnTx/>
-              <a:uFillTx/>
-              <a:ea typeface="Arial Unicode MS" pitchFamily="34" charset="-128"/>
-              <a:cs typeface="Arial Unicode MS" pitchFamily="34" charset="-128"/>
-            </a:endParaRPr>
-          </a:p>
-        </p:txBody>
-      </p:sp>
       <p:pic>
         <p:nvPicPr>
           <p:cNvPr id="4" name="slide8" descr="년/월별 이용 현황">
@@ -11729,12 +11972,17 @@
         </p:blipFill>
         <p:spPr>
           <a:xfrm>
-            <a:off x="4801443" y="2583542"/>
+            <a:off x="4801443" y="2132856"/>
             <a:ext cx="6782420" cy="3841671"/>
           </a:xfrm>
           <a:prstGeom prst="rect">
             <a:avLst/>
           </a:prstGeom>
+          <a:ln>
+            <a:solidFill>
+              <a:schemeClr val="accent4"/>
+            </a:solidFill>
+          </a:ln>
         </p:spPr>
       </p:pic>
       <p:sp>
@@ -11753,12 +12001,18 @@
         </p:nvSpPr>
         <p:spPr bwMode="black">
           <a:xfrm>
-            <a:off x="7609755" y="1412776"/>
-            <a:ext cx="3528392" cy="144016"/>
+            <a:off x="8631535" y="6021288"/>
+            <a:ext cx="2952328" cy="144016"/>
           </a:xfrm>
           <a:prstGeom prst="rect">
             <a:avLst/>
           </a:prstGeom>
+          <a:solidFill>
+            <a:schemeClr val="accent4">
+              <a:lumMod val="20000"/>
+              <a:lumOff val="80000"/>
+            </a:schemeClr>
+          </a:solidFill>
         </p:spPr>
         <p:txBody>
           <a:bodyPr vert="horz" lIns="0" tIns="0" rIns="0" bIns="0" rtlCol="0">
@@ -11956,21 +12210,7 @@
                 <a:latin typeface="KoPub돋움체 Medium" panose="02020603020101020101" pitchFamily="18" charset="-127"/>
                 <a:ea typeface="KoPub돋움체 Medium" panose="02020603020101020101" pitchFamily="18" charset="-127"/>
               </a:rPr>
-              <a:t>해당  월별로 </a:t>
-            </a:r>
-            <a:r>
-              <a:rPr lang="ko-KR" altLang="en-US" sz="1000" dirty="0" err="1">
-                <a:latin typeface="KoPub돋움체 Medium" panose="02020603020101020101" pitchFamily="18" charset="-127"/>
-                <a:ea typeface="KoPub돋움체 Medium" panose="02020603020101020101" pitchFamily="18" charset="-127"/>
-              </a:rPr>
-              <a:t>필터링되어</a:t>
-            </a:r>
-            <a:r>
-              <a:rPr lang="ko-KR" altLang="en-US" sz="1000" dirty="0">
-                <a:latin typeface="KoPub돋움체 Medium" panose="02020603020101020101" pitchFamily="18" charset="-127"/>
-                <a:ea typeface="KoPub돋움체 Medium" panose="02020603020101020101" pitchFamily="18" charset="-127"/>
-              </a:rPr>
-              <a:t> 아래그래프를 필터링 할 수 있다 </a:t>
+              <a:t>해당  월별로 필터링 되어 아래그래프를 필터링 할 수 있다 </a:t>
             </a:r>
             <a:endParaRPr lang="en-US" altLang="ko-KR" sz="1000" dirty="0">
               <a:latin typeface="KoPub돋움체 Medium" panose="02020603020101020101" pitchFamily="18" charset="-127"/>
@@ -11979,6 +12219,178 @@
           </a:p>
         </p:txBody>
       </p:sp>
+      <p:sp>
+        <p:nvSpPr>
+          <p:cNvPr id="6" name="직사각형 5">
+            <a:extLst>
+              <a:ext uri="{FF2B5EF4-FFF2-40B4-BE49-F238E27FC236}">
+                <a16:creationId xmlns:a16="http://schemas.microsoft.com/office/drawing/2014/main" id="{C91A6022-7DE8-4B32-BDAE-0E94DC6CD81C}"/>
+              </a:ext>
+            </a:extLst>
+          </p:cNvPr>
+          <p:cNvSpPr/>
+          <p:nvPr/>
+        </p:nvSpPr>
+        <p:spPr bwMode="gray">
+          <a:xfrm>
+            <a:off x="1633091" y="4365104"/>
+            <a:ext cx="1706200" cy="1152128"/>
+          </a:xfrm>
+          <a:prstGeom prst="rect">
+            <a:avLst/>
+          </a:prstGeom>
+          <a:solidFill>
+            <a:schemeClr val="accent4">
+              <a:lumMod val="20000"/>
+              <a:lumOff val="80000"/>
+              <a:alpha val="50000"/>
+            </a:schemeClr>
+          </a:solidFill>
+          <a:ln>
+            <a:solidFill>
+              <a:schemeClr val="accent4"/>
+            </a:solidFill>
+          </a:ln>
+        </p:spPr>
+        <p:style>
+          <a:lnRef idx="0">
+            <a:scrgbClr r="0" g="0" b="0"/>
+          </a:lnRef>
+          <a:fillRef idx="0">
+            <a:scrgbClr r="0" g="0" b="0"/>
+          </a:fillRef>
+          <a:effectRef idx="0">
+            <a:scrgbClr r="0" g="0" b="0"/>
+          </a:effectRef>
+          <a:fontRef idx="minor">
+            <a:schemeClr val="lt1"/>
+          </a:fontRef>
+        </p:style>
+        <p:txBody>
+          <a:bodyPr lIns="90000" tIns="72000" rIns="90000" bIns="72000" rtlCol="0" anchor="ctr"/>
+          <a:lstStyle/>
+          <a:p>
+            <a:pPr marR="0" algn="ctr" defTabSz="914400" eaLnBrk="1" fontAlgn="base" latinLnBrk="0" hangingPunct="1">
+              <a:lnSpc>
+                <a:spcPct val="100000"/>
+              </a:lnSpc>
+              <a:spcBef>
+                <a:spcPct val="50000"/>
+              </a:spcBef>
+              <a:spcAft>
+                <a:spcPct val="0"/>
+              </a:spcAft>
+              <a:buClr>
+                <a:srgbClr val="F0AB00"/>
+              </a:buClr>
+              <a:buSzPct val="80000"/>
+              <a:tabLst/>
+            </a:pPr>
+            <a:endParaRPr kumimoji="0" lang="ko-KR" altLang="en-US" sz="1800" b="0" i="0" u="none" strike="noStrike" kern="0" cap="none" spc="0" normalizeH="0" baseline="0" noProof="0" dirty="0" err="1">
+              <a:ln>
+                <a:noFill/>
+              </a:ln>
+              <a:effectLst/>
+              <a:uLnTx/>
+              <a:uFillTx/>
+              <a:ea typeface="Arial Unicode MS" pitchFamily="34" charset="-128"/>
+              <a:cs typeface="Arial Unicode MS" pitchFamily="34" charset="-128"/>
+            </a:endParaRPr>
+          </a:p>
+        </p:txBody>
+      </p:sp>
+      <p:cxnSp>
+        <p:nvCxnSpPr>
+          <p:cNvPr id="9" name="직선 연결선 8">
+            <a:extLst>
+              <a:ext uri="{FF2B5EF4-FFF2-40B4-BE49-F238E27FC236}">
+                <a16:creationId xmlns:a16="http://schemas.microsoft.com/office/drawing/2014/main" id="{7D56BC43-2388-4B85-9534-8174F68426ED}"/>
+              </a:ext>
+            </a:extLst>
+          </p:cNvPr>
+          <p:cNvCxnSpPr>
+            <a:cxnSpLocks/>
+          </p:cNvCxnSpPr>
+          <p:nvPr/>
+        </p:nvCxnSpPr>
+        <p:spPr>
+          <a:xfrm flipV="1">
+            <a:off x="3339291" y="2132856"/>
+            <a:ext cx="1462152" cy="2232249"/>
+          </a:xfrm>
+          <a:prstGeom prst="line">
+            <a:avLst/>
+          </a:prstGeom>
+          <a:ln w="12700">
+            <a:solidFill>
+              <a:schemeClr val="accent4"/>
+            </a:solidFill>
+            <a:prstDash val="sysDash"/>
+            <a:headEnd type="none" w="med" len="med"/>
+            <a:tailEnd type="none" w="med" len="med"/>
+          </a:ln>
+        </p:spPr>
+        <p:style>
+          <a:lnRef idx="1">
+            <a:schemeClr val="accent1"/>
+          </a:lnRef>
+          <a:fillRef idx="0">
+            <a:schemeClr val="accent1"/>
+          </a:fillRef>
+          <a:effectRef idx="0">
+            <a:schemeClr val="accent1"/>
+          </a:effectRef>
+          <a:fontRef idx="minor">
+            <a:schemeClr val="tx1"/>
+          </a:fontRef>
+        </p:style>
+      </p:cxnSp>
+      <p:cxnSp>
+        <p:nvCxnSpPr>
+          <p:cNvPr id="12" name="직선 연결선 11">
+            <a:extLst>
+              <a:ext uri="{FF2B5EF4-FFF2-40B4-BE49-F238E27FC236}">
+                <a16:creationId xmlns:a16="http://schemas.microsoft.com/office/drawing/2014/main" id="{FA32E622-B9A6-4113-BEA7-C83B2897F678}"/>
+              </a:ext>
+            </a:extLst>
+          </p:cNvPr>
+          <p:cNvCxnSpPr>
+            <a:cxnSpLocks/>
+          </p:cNvCxnSpPr>
+          <p:nvPr/>
+        </p:nvCxnSpPr>
+        <p:spPr>
+          <a:xfrm>
+            <a:off x="3341076" y="5517233"/>
+            <a:ext cx="1460367" cy="457294"/>
+          </a:xfrm>
+          <a:prstGeom prst="line">
+            <a:avLst/>
+          </a:prstGeom>
+          <a:ln w="12700">
+            <a:solidFill>
+              <a:schemeClr val="accent4"/>
+            </a:solidFill>
+            <a:prstDash val="sysDash"/>
+            <a:headEnd type="none" w="med" len="med"/>
+            <a:tailEnd type="none" w="med" len="med"/>
+          </a:ln>
+        </p:spPr>
+        <p:style>
+          <a:lnRef idx="1">
+            <a:schemeClr val="accent1"/>
+          </a:lnRef>
+          <a:fillRef idx="0">
+            <a:schemeClr val="accent1"/>
+          </a:fillRef>
+          <a:effectRef idx="0">
+            <a:schemeClr val="accent1"/>
+          </a:effectRef>
+          <a:fontRef idx="minor">
+            <a:schemeClr val="tx1"/>
+          </a:fontRef>
+        </p:style>
+      </p:cxnSp>
     </p:spTree>
     <p:extLst>
       <p:ext uri="{BB962C8B-B14F-4D97-AF65-F5344CB8AC3E}">
@@ -12043,6 +12455,11 @@
           <a:prstGeom prst="rect">
             <a:avLst/>
           </a:prstGeom>
+          <a:ln>
+            <a:solidFill>
+              <a:schemeClr val="accent4"/>
+            </a:solidFill>
+          </a:ln>
         </p:spPr>
       </p:pic>
       <p:sp>
@@ -12104,82 +12521,6 @@
       </p:sp>
       <p:sp>
         <p:nvSpPr>
-          <p:cNvPr id="5" name="직사각형 4">
-            <a:extLst>
-              <a:ext uri="{FF2B5EF4-FFF2-40B4-BE49-F238E27FC236}">
-                <a16:creationId xmlns:a16="http://schemas.microsoft.com/office/drawing/2014/main" id="{F9673709-9A42-4574-94A6-D933114524A7}"/>
-              </a:ext>
-            </a:extLst>
-          </p:cNvPr>
-          <p:cNvSpPr/>
-          <p:nvPr/>
-        </p:nvSpPr>
-        <p:spPr bwMode="gray">
-          <a:xfrm>
-            <a:off x="0" y="4293096"/>
-            <a:ext cx="2929235" cy="1152128"/>
-          </a:xfrm>
-          <a:prstGeom prst="rect">
-            <a:avLst/>
-          </a:prstGeom>
-          <a:solidFill>
-            <a:schemeClr val="accent1">
-              <a:alpha val="50000"/>
-            </a:schemeClr>
-          </a:solidFill>
-          <a:ln>
-            <a:noFill/>
-          </a:ln>
-        </p:spPr>
-        <p:style>
-          <a:lnRef idx="0">
-            <a:scrgbClr r="0" g="0" b="0"/>
-          </a:lnRef>
-          <a:fillRef idx="0">
-            <a:scrgbClr r="0" g="0" b="0"/>
-          </a:fillRef>
-          <a:effectRef idx="0">
-            <a:scrgbClr r="0" g="0" b="0"/>
-          </a:effectRef>
-          <a:fontRef idx="minor">
-            <a:schemeClr val="lt1"/>
-          </a:fontRef>
-        </p:style>
-        <p:txBody>
-          <a:bodyPr lIns="90000" tIns="72000" rIns="90000" bIns="72000" rtlCol="0" anchor="ctr"/>
-          <a:lstStyle/>
-          <a:p>
-            <a:pPr marR="0" algn="ctr" defTabSz="914400" eaLnBrk="1" fontAlgn="base" latinLnBrk="0" hangingPunct="1">
-              <a:lnSpc>
-                <a:spcPct val="100000"/>
-              </a:lnSpc>
-              <a:spcBef>
-                <a:spcPct val="50000"/>
-              </a:spcBef>
-              <a:spcAft>
-                <a:spcPct val="0"/>
-              </a:spcAft>
-              <a:buClr>
-                <a:srgbClr val="F0AB00"/>
-              </a:buClr>
-              <a:buSzPct val="80000"/>
-              <a:tabLst/>
-            </a:pPr>
-            <a:endParaRPr kumimoji="0" lang="ko-KR" altLang="en-US" sz="1800" b="0" i="0" u="none" strike="noStrike" kern="0" cap="none" spc="0" normalizeH="0" baseline="0" noProof="0" dirty="0" err="1">
-              <a:ln>
-                <a:noFill/>
-              </a:ln>
-              <a:effectLst/>
-              <a:uLnTx/>
-              <a:uFillTx/>
-              <a:ea typeface="Arial Unicode MS" pitchFamily="34" charset="-128"/>
-              <a:cs typeface="Arial Unicode MS" pitchFamily="34" charset="-128"/>
-            </a:endParaRPr>
-          </a:p>
-        </p:txBody>
-      </p:sp>
-      <p:sp>
-        <p:nvSpPr>
           <p:cNvPr id="6" name="텍스트 개체 틀 1">
             <a:extLst>
               <a:ext uri="{FF2B5EF4-FFF2-40B4-BE49-F238E27FC236}">
@@ -12194,12 +12535,18 @@
         </p:nvSpPr>
         <p:spPr bwMode="black">
           <a:xfrm>
-            <a:off x="1464617" y="5013176"/>
-            <a:ext cx="3528392" cy="144016"/>
+            <a:off x="1275517" y="5589240"/>
+            <a:ext cx="2063774" cy="144016"/>
           </a:xfrm>
           <a:prstGeom prst="rect">
             <a:avLst/>
           </a:prstGeom>
+          <a:solidFill>
+            <a:schemeClr val="accent4">
+              <a:lumMod val="20000"/>
+              <a:lumOff val="80000"/>
+            </a:schemeClr>
+          </a:solidFill>
         </p:spPr>
         <p:txBody>
           <a:bodyPr vert="horz" lIns="0" tIns="0" rIns="0" bIns="0" rtlCol="0">
@@ -12411,18 +12758,91 @@
                 <a:latin typeface="KoPub돋움체 Medium" panose="02020603020101020101" pitchFamily="18" charset="-127"/>
                 <a:ea typeface="KoPub돋움체 Medium" panose="02020603020101020101" pitchFamily="18" charset="-127"/>
               </a:rPr>
-              <a:t>월별 그래프가 </a:t>
-            </a:r>
-            <a:r>
-              <a:rPr lang="ko-KR" altLang="en-US" sz="1000" dirty="0" err="1">
-                <a:latin typeface="KoPub돋움체 Medium" panose="02020603020101020101" pitchFamily="18" charset="-127"/>
-                <a:ea typeface="KoPub돋움체 Medium" panose="02020603020101020101" pitchFamily="18" charset="-127"/>
-              </a:rPr>
-              <a:t>필터링됨</a:t>
+              <a:t>월별 그래프가 필터링 됨</a:t>
             </a:r>
             <a:endParaRPr lang="en-US" altLang="ko-KR" sz="1000" dirty="0">
               <a:latin typeface="KoPub돋움체 Medium" panose="02020603020101020101" pitchFamily="18" charset="-127"/>
               <a:ea typeface="KoPub돋움체 Medium" panose="02020603020101020101" pitchFamily="18" charset="-127"/>
+            </a:endParaRPr>
+          </a:p>
+        </p:txBody>
+      </p:sp>
+      <p:sp>
+        <p:nvSpPr>
+          <p:cNvPr id="3" name="직사각형 2">
+            <a:extLst>
+              <a:ext uri="{FF2B5EF4-FFF2-40B4-BE49-F238E27FC236}">
+                <a16:creationId xmlns:a16="http://schemas.microsoft.com/office/drawing/2014/main" id="{E11DE162-EE35-4905-88A4-3CF211B17CA0}"/>
+              </a:ext>
+            </a:extLst>
+          </p:cNvPr>
+          <p:cNvSpPr/>
+          <p:nvPr/>
+        </p:nvSpPr>
+        <p:spPr bwMode="gray">
+          <a:xfrm>
+            <a:off x="0" y="4365104"/>
+            <a:ext cx="3339291" cy="1152128"/>
+          </a:xfrm>
+          <a:prstGeom prst="rect">
+            <a:avLst/>
+          </a:prstGeom>
+          <a:solidFill>
+            <a:schemeClr val="accent4">
+              <a:lumMod val="20000"/>
+              <a:lumOff val="80000"/>
+              <a:alpha val="50000"/>
+            </a:schemeClr>
+          </a:solidFill>
+          <a:ln>
+            <a:solidFill>
+              <a:schemeClr val="accent4"/>
+            </a:solidFill>
+          </a:ln>
+        </p:spPr>
+        <p:style>
+          <a:lnRef idx="0">
+            <a:scrgbClr r="0" g="0" b="0"/>
+          </a:lnRef>
+          <a:fillRef idx="0">
+            <a:scrgbClr r="0" g="0" b="0"/>
+          </a:fillRef>
+          <a:effectRef idx="0">
+            <a:scrgbClr r="0" g="0" b="0"/>
+          </a:effectRef>
+          <a:fontRef idx="minor">
+            <a:schemeClr val="lt1"/>
+          </a:fontRef>
+        </p:style>
+        <p:txBody>
+          <a:bodyPr lIns="90000" tIns="72000" rIns="90000" bIns="72000" rtlCol="0" anchor="ctr"/>
+          <a:lstStyle/>
+          <a:p>
+            <a:pPr marR="0" algn="ctr" defTabSz="914400" eaLnBrk="1" fontAlgn="base" latinLnBrk="0" hangingPunct="1">
+              <a:lnSpc>
+                <a:spcPct val="100000"/>
+              </a:lnSpc>
+              <a:spcBef>
+                <a:spcPct val="50000"/>
+              </a:spcBef>
+              <a:spcAft>
+                <a:spcPct val="0"/>
+              </a:spcAft>
+              <a:buClr>
+                <a:srgbClr val="F0AB00"/>
+              </a:buClr>
+              <a:buSzPct val="80000"/>
+              <a:tabLst/>
+            </a:pPr>
+            <a:endParaRPr kumimoji="0" lang="ko-KR" altLang="en-US" sz="1800" b="0" i="0" u="none" strike="noStrike" kern="0" cap="none" spc="0" normalizeH="0" baseline="0" noProof="0" dirty="0" err="1">
+              <a:ln>
+                <a:noFill/>
+              </a:ln>
+              <a:effectLst/>
+              <a:uLnTx/>
+              <a:uFillTx/>
+              <a:ea typeface="Arial Unicode MS" pitchFamily="34" charset="-128"/>
+              <a:cs typeface="Arial Unicode MS" pitchFamily="34" charset="-128"/>
             </a:endParaRPr>
           </a:p>
         </p:txBody>
